--- a/_book/plot/unnamed-chunk-66-1.pptx
+++ b/_book/plot/unnamed-chunk-66-1.pptx
@@ -3218,7 +3218,7 @@
           </p:nvSpPr>
           <p:spPr>
             <a:xfrm>
-              <a:off x="2848121" y="1590617"/>
+              <a:off x="3142767" y="1590617"/>
               <a:ext cx="0" cy="4048310"/>
             </a:xfrm>
             <a:custGeom>
@@ -3261,7 +3261,7 @@
           </p:nvSpPr>
           <p:spPr>
             <a:xfrm>
-              <a:off x="4497265" y="1590617"/>
+              <a:off x="5381202" y="1590617"/>
               <a:ext cx="0" cy="4048310"/>
             </a:xfrm>
             <a:custGeom>
@@ -3304,7 +3304,7 @@
           </p:nvSpPr>
           <p:spPr>
             <a:xfrm>
-              <a:off x="6146410" y="1590617"/>
+              <a:off x="7619638" y="1590617"/>
               <a:ext cx="0" cy="4048310"/>
             </a:xfrm>
             <a:custGeom>
@@ -3347,26 +3347,26 @@
           </p:nvSpPr>
           <p:spPr>
             <a:xfrm>
-              <a:off x="7795554" y="1590617"/>
-              <a:ext cx="0" cy="4048310"/>
+              <a:off x="2023549" y="5171815"/>
+              <a:ext cx="6913543" cy="0"/>
             </a:xfrm>
             <a:custGeom>
               <a:avLst/>
               <a:pathLst>
-                <a:path w="0" h="4048310">
+                <a:path w="6913543" h="0">
                   <a:moveTo>
-                    <a:pt x="0" y="4048310"/>
+                    <a:pt x="0" y="0"/>
                   </a:moveTo>
                   <a:lnTo>
-                    <a:pt x="0" y="0"/>
+                    <a:pt x="6913543" y="0"/>
                   </a:lnTo>
                   <a:lnTo>
-                    <a:pt x="0" y="0"/>
+                    <a:pt x="6913543" y="0"/>
                   </a:lnTo>
                 </a:path>
               </a:pathLst>
             </a:custGeom>
-            <a:ln w="3387" cap="flat">
+            <a:ln w="6775" cap="flat">
               <a:solidFill>
                 <a:srgbClr val="DEDEDE">
                   <a:alpha val="100000"/>
@@ -3390,7 +3390,7 @@
           </p:nvSpPr>
           <p:spPr>
             <a:xfrm>
-              <a:off x="2023549" y="5301568"/>
+              <a:off x="2023549" y="4393293"/>
               <a:ext cx="6913543" cy="0"/>
             </a:xfrm>
             <a:custGeom>
@@ -3433,7 +3433,7 @@
           </p:nvSpPr>
           <p:spPr>
             <a:xfrm>
-              <a:off x="2023549" y="4739303"/>
+              <a:off x="2023549" y="3614772"/>
               <a:ext cx="6913543" cy="0"/>
             </a:xfrm>
             <a:custGeom>
@@ -3476,7 +3476,7 @@
           </p:nvSpPr>
           <p:spPr>
             <a:xfrm>
-              <a:off x="2023549" y="4177037"/>
+              <a:off x="2023549" y="2836251"/>
               <a:ext cx="6913543" cy="0"/>
             </a:xfrm>
             <a:custGeom>
@@ -3519,7 +3519,7 @@
           </p:nvSpPr>
           <p:spPr>
             <a:xfrm>
-              <a:off x="2023549" y="3614772"/>
+              <a:off x="2023549" y="2057730"/>
               <a:ext cx="6913543" cy="0"/>
             </a:xfrm>
             <a:custGeom>
@@ -3562,135 +3562,6 @@
           </p:nvSpPr>
           <p:spPr>
             <a:xfrm>
-              <a:off x="2023549" y="3052507"/>
-              <a:ext cx="6913543" cy="0"/>
-            </a:xfrm>
-            <a:custGeom>
-              <a:avLst/>
-              <a:pathLst>
-                <a:path w="6913543" h="0">
-                  <a:moveTo>
-                    <a:pt x="0" y="0"/>
-                  </a:moveTo>
-                  <a:lnTo>
-                    <a:pt x="6913543" y="0"/>
-                  </a:lnTo>
-                  <a:lnTo>
-                    <a:pt x="6913543" y="0"/>
-                  </a:lnTo>
-                </a:path>
-              </a:pathLst>
-            </a:custGeom>
-            <a:ln w="6775" cap="flat">
-              <a:solidFill>
-                <a:srgbClr val="DEDEDE">
-                  <a:alpha val="100000"/>
-                </a:srgbClr>
-              </a:solidFill>
-              <a:prstDash val="solid"/>
-              <a:round/>
-            </a:ln>
-          </p:spPr>
-          <p:txBody>
-            <a:bodyPr/>
-            <a:lstStyle/>
-            <a:p/>
-          </p:txBody>
-        </p:sp>
-        <p:sp>
-          <p:nvSpPr>
-            <p:cNvPr id="15" name="pl15"/>
-            <p:cNvSpPr/>
-            <p:nvPr/>
-          </p:nvSpPr>
-          <p:spPr>
-            <a:xfrm>
-              <a:off x="2023549" y="2490241"/>
-              <a:ext cx="6913543" cy="0"/>
-            </a:xfrm>
-            <a:custGeom>
-              <a:avLst/>
-              <a:pathLst>
-                <a:path w="6913543" h="0">
-                  <a:moveTo>
-                    <a:pt x="0" y="0"/>
-                  </a:moveTo>
-                  <a:lnTo>
-                    <a:pt x="6913543" y="0"/>
-                  </a:lnTo>
-                  <a:lnTo>
-                    <a:pt x="6913543" y="0"/>
-                  </a:lnTo>
-                </a:path>
-              </a:pathLst>
-            </a:custGeom>
-            <a:ln w="6775" cap="flat">
-              <a:solidFill>
-                <a:srgbClr val="DEDEDE">
-                  <a:alpha val="100000"/>
-                </a:srgbClr>
-              </a:solidFill>
-              <a:prstDash val="solid"/>
-              <a:round/>
-            </a:ln>
-          </p:spPr>
-          <p:txBody>
-            <a:bodyPr/>
-            <a:lstStyle/>
-            <a:p/>
-          </p:txBody>
-        </p:sp>
-        <p:sp>
-          <p:nvSpPr>
-            <p:cNvPr id="16" name="pl16"/>
-            <p:cNvSpPr/>
-            <p:nvPr/>
-          </p:nvSpPr>
-          <p:spPr>
-            <a:xfrm>
-              <a:off x="2023549" y="1927976"/>
-              <a:ext cx="6913543" cy="0"/>
-            </a:xfrm>
-            <a:custGeom>
-              <a:avLst/>
-              <a:pathLst>
-                <a:path w="6913543" h="0">
-                  <a:moveTo>
-                    <a:pt x="0" y="0"/>
-                  </a:moveTo>
-                  <a:lnTo>
-                    <a:pt x="6913543" y="0"/>
-                  </a:lnTo>
-                  <a:lnTo>
-                    <a:pt x="6913543" y="0"/>
-                  </a:lnTo>
-                </a:path>
-              </a:pathLst>
-            </a:custGeom>
-            <a:ln w="6775" cap="flat">
-              <a:solidFill>
-                <a:srgbClr val="DEDEDE">
-                  <a:alpha val="100000"/>
-                </a:srgbClr>
-              </a:solidFill>
-              <a:prstDash val="solid"/>
-              <a:round/>
-            </a:ln>
-          </p:spPr>
-          <p:txBody>
-            <a:bodyPr/>
-            <a:lstStyle/>
-            <a:p/>
-          </p:txBody>
-        </p:sp>
-        <p:sp>
-          <p:nvSpPr>
-            <p:cNvPr id="17" name="pl17"/>
-            <p:cNvSpPr/>
-            <p:nvPr/>
-          </p:nvSpPr>
-          <p:spPr>
-            <a:xfrm>
               <a:off x="2023549" y="1590617"/>
               <a:ext cx="0" cy="4048310"/>
             </a:xfrm>
@@ -3728,13 +3599,13 @@
         </p:sp>
         <p:sp>
           <p:nvSpPr>
-            <p:cNvPr id="18" name="pl18"/>
+            <p:cNvPr id="15" name="pl15"/>
             <p:cNvSpPr/>
             <p:nvPr/>
           </p:nvSpPr>
           <p:spPr>
             <a:xfrm>
-              <a:off x="3672693" y="1590617"/>
+              <a:off x="4261985" y="1590617"/>
               <a:ext cx="0" cy="4048310"/>
             </a:xfrm>
             <a:custGeom>
@@ -3771,13 +3642,13 @@
         </p:sp>
         <p:sp>
           <p:nvSpPr>
-            <p:cNvPr id="19" name="pl19"/>
+            <p:cNvPr id="16" name="pl16"/>
             <p:cNvSpPr/>
             <p:nvPr/>
           </p:nvSpPr>
           <p:spPr>
             <a:xfrm>
-              <a:off x="5321838" y="1590617"/>
+              <a:off x="6500420" y="1590617"/>
               <a:ext cx="0" cy="4048310"/>
             </a:xfrm>
             <a:custGeom>
@@ -3814,13 +3685,13 @@
         </p:sp>
         <p:sp>
           <p:nvSpPr>
-            <p:cNvPr id="20" name="pl20"/>
+            <p:cNvPr id="17" name="pl17"/>
             <p:cNvSpPr/>
             <p:nvPr/>
           </p:nvSpPr>
           <p:spPr>
             <a:xfrm>
-              <a:off x="6970982" y="1590617"/>
+              <a:off x="8738856" y="1590617"/>
               <a:ext cx="0" cy="4048310"/>
             </a:xfrm>
             <a:custGeom>
@@ -3857,57 +3728,14 @@
         </p:sp>
         <p:sp>
           <p:nvSpPr>
-            <p:cNvPr id="21" name="pl21"/>
+            <p:cNvPr id="18" name="rc18"/>
             <p:cNvSpPr/>
             <p:nvPr/>
           </p:nvSpPr>
           <p:spPr>
             <a:xfrm>
-              <a:off x="8620126" y="1590617"/>
-              <a:ext cx="0" cy="4048310"/>
-            </a:xfrm>
-            <a:custGeom>
-              <a:avLst/>
-              <a:pathLst>
-                <a:path w="0" h="4048310">
-                  <a:moveTo>
-                    <a:pt x="0" y="4048310"/>
-                  </a:moveTo>
-                  <a:lnTo>
-                    <a:pt x="0" y="0"/>
-                  </a:lnTo>
-                  <a:lnTo>
-                    <a:pt x="0" y="0"/>
-                  </a:lnTo>
-                </a:path>
-              </a:pathLst>
-            </a:custGeom>
-            <a:ln w="6775" cap="flat">
-              <a:solidFill>
-                <a:srgbClr val="DEDEDE">
-                  <a:alpha val="100000"/>
-                </a:srgbClr>
-              </a:solidFill>
-              <a:prstDash val="solid"/>
-              <a:round/>
-            </a:ln>
-          </p:spPr>
-          <p:txBody>
-            <a:bodyPr/>
-            <a:lstStyle/>
-            <a:p/>
-          </p:txBody>
-        </p:sp>
-        <p:sp>
-          <p:nvSpPr>
-            <p:cNvPr id="22" name="rc22"/>
-            <p:cNvSpPr/>
-            <p:nvPr/>
-          </p:nvSpPr>
-          <p:spPr>
-            <a:xfrm>
-              <a:off x="2023549" y="1674957"/>
-              <a:ext cx="6777983" cy="506038"/>
+              <a:off x="2023549" y="1707395"/>
+              <a:ext cx="6777983" cy="700669"/>
             </a:xfrm>
             <a:prstGeom prst="rect">
               <a:avLst/>
@@ -3926,14 +3754,14 @@
         </p:sp>
         <p:sp>
           <p:nvSpPr>
-            <p:cNvPr id="23" name="rc23"/>
+            <p:cNvPr id="19" name="rc19"/>
             <p:cNvSpPr/>
             <p:nvPr/>
           </p:nvSpPr>
           <p:spPr>
             <a:xfrm>
-              <a:off x="2023549" y="2237222"/>
-              <a:ext cx="6352504" cy="506038"/>
+              <a:off x="2023549" y="2485916"/>
+              <a:ext cx="6151221" cy="700669"/>
             </a:xfrm>
             <a:prstGeom prst="rect">
               <a:avLst/>
@@ -3952,14 +3780,14 @@
         </p:sp>
         <p:sp>
           <p:nvSpPr>
-            <p:cNvPr id="24" name="rc24"/>
+            <p:cNvPr id="20" name="rc20"/>
             <p:cNvSpPr/>
             <p:nvPr/>
           </p:nvSpPr>
           <p:spPr>
             <a:xfrm>
-              <a:off x="2023549" y="2799487"/>
-              <a:ext cx="4241599" cy="506038"/>
+              <a:off x="2023549" y="3264438"/>
+              <a:ext cx="5763972" cy="700669"/>
             </a:xfrm>
             <a:prstGeom prst="rect">
               <a:avLst/>
@@ -3978,14 +3806,14 @@
         </p:sp>
         <p:sp>
           <p:nvSpPr>
-            <p:cNvPr id="25" name="rc25"/>
+            <p:cNvPr id="21" name="rc21"/>
             <p:cNvSpPr/>
             <p:nvPr/>
           </p:nvSpPr>
           <p:spPr>
             <a:xfrm>
-              <a:off x="2023549" y="3361753"/>
-              <a:ext cx="3680890" cy="506038"/>
+              <a:off x="2023549" y="4042959"/>
+              <a:ext cx="4000084" cy="700669"/>
             </a:xfrm>
             <a:prstGeom prst="rect">
               <a:avLst/>
@@ -4004,14 +3832,14 @@
         </p:sp>
         <p:sp>
           <p:nvSpPr>
-            <p:cNvPr id="26" name="rc26"/>
+            <p:cNvPr id="22" name="rc22"/>
             <p:cNvSpPr/>
             <p:nvPr/>
           </p:nvSpPr>
           <p:spPr>
             <a:xfrm>
-              <a:off x="2023549" y="3924018"/>
-              <a:ext cx="3387342" cy="506038"/>
+              <a:off x="2023549" y="4821480"/>
+              <a:ext cx="808075" cy="700669"/>
             </a:xfrm>
             <a:prstGeom prst="rect">
               <a:avLst/>
@@ -4030,66 +3858,14 @@
         </p:sp>
         <p:sp>
           <p:nvSpPr>
-            <p:cNvPr id="27" name="rc27"/>
+            <p:cNvPr id="23" name="tx23"/>
             <p:cNvSpPr/>
             <p:nvPr/>
           </p:nvSpPr>
           <p:spPr>
             <a:xfrm>
-              <a:off x="2023549" y="4486283"/>
-              <a:ext cx="2849721" cy="506038"/>
-            </a:xfrm>
-            <a:prstGeom prst="rect">
-              <a:avLst/>
-            </a:prstGeom>
-            <a:solidFill>
-              <a:srgbClr val="595959">
-                <a:alpha val="100000"/>
-              </a:srgbClr>
-            </a:solidFill>
-          </p:spPr>
-          <p:txBody>
-            <a:bodyPr/>
-            <a:lstStyle/>
-            <a:p/>
-          </p:txBody>
-        </p:sp>
-        <p:sp>
-          <p:nvSpPr>
-            <p:cNvPr id="28" name="rc28"/>
-            <p:cNvSpPr/>
-            <p:nvPr/>
-          </p:nvSpPr>
-          <p:spPr>
-            <a:xfrm>
-              <a:off x="2023549" y="5048549"/>
-              <a:ext cx="2519892" cy="506038"/>
-            </a:xfrm>
-            <a:prstGeom prst="rect">
-              <a:avLst/>
-            </a:prstGeom>
-            <a:solidFill>
-              <a:srgbClr val="595959">
-                <a:alpha val="100000"/>
-              </a:srgbClr>
-            </a:solidFill>
-          </p:spPr>
-          <p:txBody>
-            <a:bodyPr/>
-            <a:lstStyle/>
-            <a:p/>
-          </p:txBody>
-        </p:sp>
-        <p:sp>
-          <p:nvSpPr>
-            <p:cNvPr id="29" name="tx29"/>
-            <p:cNvSpPr/>
-            <p:nvPr/>
-          </p:nvSpPr>
-          <p:spPr>
-            <a:xfrm>
-              <a:off x="8369865" y="1883502"/>
-              <a:ext cx="325215" cy="67753"/>
+              <a:off x="6619691" y="2013256"/>
+              <a:ext cx="2032593" cy="67753"/>
             </a:xfrm>
             <a:prstGeom prst="rect">
               <a:avLst/>
@@ -4121,21 +3897,21 @@
                   <a:latin typeface="Arial"/>
                   <a:cs typeface="Arial"/>
                 </a:rPr>
-                <a:t>不好保存</a:t>
+                <a:t>通过种草或知识网站（如小红书、知乎等）了解相关知识</a:t>
               </a:r>
             </a:p>
           </p:txBody>
         </p:sp>
         <p:sp>
           <p:nvSpPr>
-            <p:cNvPr id="30" name="tx30"/>
+            <p:cNvPr id="24" name="tx24"/>
             <p:cNvSpPr/>
             <p:nvPr/>
           </p:nvSpPr>
           <p:spPr>
             <a:xfrm>
-              <a:off x="7700475" y="2445768"/>
-              <a:ext cx="569126" cy="67753"/>
+              <a:off x="7375093" y="2791777"/>
+              <a:ext cx="650430" cy="67753"/>
             </a:xfrm>
             <a:prstGeom prst="rect">
               <a:avLst/>
@@ -4167,21 +3943,21 @@
                   <a:latin typeface="Arial"/>
                   <a:cs typeface="Arial"/>
                 </a:rPr>
-                <a:t>携带和食用不便</a:t>
+                <a:t>咨询专业人士意见</a:t>
               </a:r>
             </a:p>
           </p:txBody>
         </p:sp>
         <p:sp>
           <p:nvSpPr>
-            <p:cNvPr id="31" name="tx31"/>
+            <p:cNvPr id="25" name="tx25"/>
             <p:cNvSpPr/>
             <p:nvPr/>
           </p:nvSpPr>
           <p:spPr>
             <a:xfrm>
-              <a:off x="5914785" y="3008033"/>
-              <a:ext cx="243911" cy="67753"/>
+              <a:off x="5605679" y="3570299"/>
+              <a:ext cx="2032593" cy="67753"/>
             </a:xfrm>
             <a:prstGeom prst="rect">
               <a:avLst/>
@@ -4213,21 +3989,21 @@
                   <a:latin typeface="Arial"/>
                   <a:cs typeface="Arial"/>
                 </a:rPr>
-                <a:t>价格贵</a:t>
+                <a:t>通过搜索引擎（如百度、搜狗、谷歌等）了解益生菌知识</a:t>
               </a:r>
             </a:p>
           </p:txBody>
         </p:sp>
         <p:sp>
           <p:nvSpPr>
-            <p:cNvPr id="32" name="tx32"/>
+            <p:cNvPr id="26" name="tx26"/>
             <p:cNvSpPr/>
             <p:nvPr/>
           </p:nvSpPr>
           <p:spPr>
             <a:xfrm>
-              <a:off x="4866253" y="3570299"/>
-              <a:ext cx="731733" cy="67753"/>
+              <a:off x="4817437" y="4348820"/>
+              <a:ext cx="1056948" cy="67753"/>
             </a:xfrm>
             <a:prstGeom prst="rect">
               <a:avLst/>
@@ -4259,21 +4035,21 @@
                   <a:latin typeface="Arial"/>
                   <a:cs typeface="Arial"/>
                 </a:rPr>
-                <a:t>出现拉肚子等副作用</a:t>
+                <a:t>通过客服咨询产品功能等信息</a:t>
               </a:r>
             </a:p>
           </p:txBody>
         </p:sp>
         <p:sp>
           <p:nvSpPr>
-            <p:cNvPr id="33" name="tx33"/>
+            <p:cNvPr id="27" name="tx27"/>
             <p:cNvSpPr/>
             <p:nvPr/>
           </p:nvSpPr>
           <p:spPr>
             <a:xfrm>
-              <a:off x="5517344" y="4148084"/>
-              <a:ext cx="650430" cy="67753"/>
+              <a:off x="2980872" y="5142861"/>
+              <a:ext cx="894341" cy="67753"/>
             </a:xfrm>
             <a:prstGeom prst="rect">
               <a:avLst/>
@@ -4305,106 +4081,14 @@
                   <a:latin typeface="Arial"/>
                   <a:cs typeface="Arial"/>
                 </a:rPr>
-                <a:t>没有不满意的地方</a:t>
+                <a:t>看过商品介绍后直接下单</a:t>
               </a:r>
             </a:p>
           </p:txBody>
         </p:sp>
         <p:sp>
           <p:nvSpPr>
-            <p:cNvPr id="34" name="tx34"/>
-            <p:cNvSpPr/>
-            <p:nvPr/>
-          </p:nvSpPr>
-          <p:spPr>
-            <a:xfrm>
-              <a:off x="4979723" y="4710349"/>
-              <a:ext cx="243911" cy="67753"/>
-            </a:xfrm>
-            <a:prstGeom prst="rect">
-              <a:avLst/>
-            </a:prstGeom>
-            <a:noFill/>
-          </p:spPr>
-          <p:txBody>
-            <a:bodyPr lIns="0" rIns="0" tIns="0" bIns="0" anchorCtr="1" anchor="ctr" wrap="none"/>
-            <a:lstStyle/>
-            <a:p>
-              <a:pPr algn="l" marL="0" marR="0" indent="0">
-                <a:lnSpc>
-                  <a:spcPts val="853"/>
-                </a:lnSpc>
-                <a:spcBef>
-                  <a:spcPts val="0"/>
-                </a:spcBef>
-                <a:spcAft>
-                  <a:spcPts val="0"/>
-                </a:spcAft>
-              </a:pPr>
-              <a:r>
-                <a:rPr sz="853">
-                  <a:solidFill>
-                    <a:srgbClr val="000000">
-                      <a:alpha val="100000"/>
-                    </a:srgbClr>
-                  </a:solidFill>
-                  <a:latin typeface="Arial"/>
-                  <a:cs typeface="Arial"/>
-                </a:rPr>
-                <a:t>不好吃</a:t>
-              </a:r>
-            </a:p>
-          </p:txBody>
-        </p:sp>
-        <p:sp>
-          <p:nvSpPr>
-            <p:cNvPr id="35" name="tx35"/>
-            <p:cNvSpPr/>
-            <p:nvPr/>
-          </p:nvSpPr>
-          <p:spPr>
-            <a:xfrm>
-              <a:off x="4649894" y="5272614"/>
-              <a:ext cx="487822" cy="67753"/>
-            </a:xfrm>
-            <a:prstGeom prst="rect">
-              <a:avLst/>
-            </a:prstGeom>
-            <a:noFill/>
-          </p:spPr>
-          <p:txBody>
-            <a:bodyPr lIns="0" rIns="0" tIns="0" bIns="0" anchorCtr="1" anchor="ctr" wrap="none"/>
-            <a:lstStyle/>
-            <a:p>
-              <a:pPr algn="l" marL="0" marR="0" indent="0">
-                <a:lnSpc>
-                  <a:spcPts val="853"/>
-                </a:lnSpc>
-                <a:spcBef>
-                  <a:spcPts val="0"/>
-                </a:spcBef>
-                <a:spcAft>
-                  <a:spcPts val="0"/>
-                </a:spcAft>
-              </a:pPr>
-              <a:r>
-                <a:rPr sz="853">
-                  <a:solidFill>
-                    <a:srgbClr val="000000">
-                      <a:alpha val="100000"/>
-                    </a:srgbClr>
-                  </a:solidFill>
-                  <a:latin typeface="Arial"/>
-                  <a:cs typeface="Arial"/>
-                </a:rPr>
-                <a:t>吃了没啥效果</a:t>
-              </a:r>
-            </a:p>
-          </p:txBody>
-        </p:sp>
-        <p:sp>
-          <p:nvSpPr>
-            <p:cNvPr id="36" name="rc36"/>
+            <p:cNvPr id="28" name="rc28"/>
             <p:cNvSpPr/>
             <p:nvPr/>
           </p:nvSpPr>
@@ -4434,105 +4118,13 @@
         </p:sp>
         <p:sp>
           <p:nvSpPr>
-            <p:cNvPr id="37" name="tx37"/>
+            <p:cNvPr id="29" name="tx29"/>
             <p:cNvSpPr/>
             <p:nvPr/>
           </p:nvSpPr>
           <p:spPr>
             <a:xfrm>
-              <a:off x="1926599" y="5262660"/>
-              <a:ext cx="62155" cy="78908"/>
-            </a:xfrm>
-            <a:prstGeom prst="rect">
-              <a:avLst/>
-            </a:prstGeom>
-            <a:noFill/>
-          </p:spPr>
-          <p:txBody>
-            <a:bodyPr lIns="0" rIns="0" tIns="0" bIns="0" anchorCtr="1" anchor="ctr" wrap="none"/>
-            <a:lstStyle/>
-            <a:p>
-              <a:pPr algn="l" marL="0" marR="0" indent="0">
-                <a:lnSpc>
-                  <a:spcPts val="880"/>
-                </a:lnSpc>
-                <a:spcBef>
-                  <a:spcPts val="0"/>
-                </a:spcBef>
-                <a:spcAft>
-                  <a:spcPts val="0"/>
-                </a:spcAft>
-              </a:pPr>
-              <a:r>
-                <a:rPr sz="880" b="1">
-                  <a:solidFill>
-                    <a:srgbClr val="4D4D4D">
-                      <a:alpha val="100000"/>
-                    </a:srgbClr>
-                  </a:solidFill>
-                  <a:latin typeface="Arial"/>
-                  <a:cs typeface="Arial"/>
-                </a:rPr>
-                <a:t>7</a:t>
-              </a:r>
-            </a:p>
-          </p:txBody>
-        </p:sp>
-        <p:sp>
-          <p:nvSpPr>
-            <p:cNvPr id="38" name="tx38"/>
-            <p:cNvSpPr/>
-            <p:nvPr/>
-          </p:nvSpPr>
-          <p:spPr>
-            <a:xfrm>
-              <a:off x="1926599" y="4697611"/>
-              <a:ext cx="62155" cy="81691"/>
-            </a:xfrm>
-            <a:prstGeom prst="rect">
-              <a:avLst/>
-            </a:prstGeom>
-            <a:noFill/>
-          </p:spPr>
-          <p:txBody>
-            <a:bodyPr lIns="0" rIns="0" tIns="0" bIns="0" anchorCtr="1" anchor="ctr" wrap="none"/>
-            <a:lstStyle/>
-            <a:p>
-              <a:pPr algn="l" marL="0" marR="0" indent="0">
-                <a:lnSpc>
-                  <a:spcPts val="880"/>
-                </a:lnSpc>
-                <a:spcBef>
-                  <a:spcPts val="0"/>
-                </a:spcBef>
-                <a:spcAft>
-                  <a:spcPts val="0"/>
-                </a:spcAft>
-              </a:pPr>
-              <a:r>
-                <a:rPr sz="880" b="1">
-                  <a:solidFill>
-                    <a:srgbClr val="4D4D4D">
-                      <a:alpha val="100000"/>
-                    </a:srgbClr>
-                  </a:solidFill>
-                  <a:latin typeface="Arial"/>
-                  <a:cs typeface="Arial"/>
-                </a:rPr>
-                <a:t>6</a:t>
-              </a:r>
-            </a:p>
-          </p:txBody>
-        </p:sp>
-        <p:sp>
-          <p:nvSpPr>
-            <p:cNvPr id="39" name="tx39"/>
-            <p:cNvSpPr/>
-            <p:nvPr/>
-          </p:nvSpPr>
-          <p:spPr>
-            <a:xfrm>
-              <a:off x="1926599" y="4136765"/>
+              <a:off x="1926599" y="5131542"/>
               <a:ext cx="62155" cy="80272"/>
             </a:xfrm>
             <a:prstGeom prst="rect">
@@ -4572,13 +4164,13 @@
         </p:sp>
         <p:sp>
           <p:nvSpPr>
-            <p:cNvPr id="40" name="tx40"/>
+            <p:cNvPr id="30" name="tx30"/>
             <p:cNvSpPr/>
             <p:nvPr/>
           </p:nvSpPr>
           <p:spPr>
             <a:xfrm>
-              <a:off x="1926599" y="3574445"/>
+              <a:off x="1926599" y="4352966"/>
               <a:ext cx="62155" cy="80327"/>
             </a:xfrm>
             <a:prstGeom prst="rect">
@@ -4618,13 +4210,13 @@
         </p:sp>
         <p:sp>
           <p:nvSpPr>
-            <p:cNvPr id="41" name="tx41"/>
+            <p:cNvPr id="31" name="tx31"/>
             <p:cNvSpPr/>
             <p:nvPr/>
           </p:nvSpPr>
           <p:spPr>
             <a:xfrm>
-              <a:off x="1926599" y="3010815"/>
+              <a:off x="1926599" y="3573080"/>
               <a:ext cx="62155" cy="81691"/>
             </a:xfrm>
             <a:prstGeom prst="rect">
@@ -4664,13 +4256,13 @@
         </p:sp>
         <p:sp>
           <p:nvSpPr>
-            <p:cNvPr id="42" name="tx42"/>
+            <p:cNvPr id="32" name="tx32"/>
             <p:cNvSpPr/>
             <p:nvPr/>
           </p:nvSpPr>
           <p:spPr>
             <a:xfrm>
-              <a:off x="1926599" y="2449914"/>
+              <a:off x="1926599" y="2795923"/>
               <a:ext cx="62155" cy="80327"/>
             </a:xfrm>
             <a:prstGeom prst="rect">
@@ -4710,13 +4302,13 @@
         </p:sp>
         <p:sp>
           <p:nvSpPr>
-            <p:cNvPr id="43" name="tx43"/>
+            <p:cNvPr id="33" name="tx33"/>
             <p:cNvSpPr/>
             <p:nvPr/>
           </p:nvSpPr>
           <p:spPr>
             <a:xfrm>
-              <a:off x="1926599" y="1887649"/>
+              <a:off x="1926599" y="2017402"/>
               <a:ext cx="62155" cy="80327"/>
             </a:xfrm>
             <a:prstGeom prst="rect">
@@ -4756,13 +4348,13 @@
         </p:sp>
         <p:sp>
           <p:nvSpPr>
-            <p:cNvPr id="44" name="pl44"/>
+            <p:cNvPr id="34" name="pl34"/>
             <p:cNvSpPr/>
             <p:nvPr/>
           </p:nvSpPr>
           <p:spPr>
             <a:xfrm>
-              <a:off x="1988754" y="5301568"/>
+              <a:off x="1988754" y="5171815"/>
               <a:ext cx="34794" cy="0"/>
             </a:xfrm>
             <a:custGeom>
@@ -4796,13 +4388,13 @@
         </p:sp>
         <p:sp>
           <p:nvSpPr>
-            <p:cNvPr id="45" name="pl45"/>
+            <p:cNvPr id="35" name="pl35"/>
             <p:cNvSpPr/>
             <p:nvPr/>
           </p:nvSpPr>
           <p:spPr>
             <a:xfrm>
-              <a:off x="1988754" y="4739303"/>
+              <a:off x="1988754" y="4393293"/>
               <a:ext cx="34794" cy="0"/>
             </a:xfrm>
             <a:custGeom>
@@ -4836,47 +4428,7 @@
         </p:sp>
         <p:sp>
           <p:nvSpPr>
-            <p:cNvPr id="46" name="pl46"/>
-            <p:cNvSpPr/>
-            <p:nvPr/>
-          </p:nvSpPr>
-          <p:spPr>
-            <a:xfrm>
-              <a:off x="1988754" y="4177037"/>
-              <a:ext cx="34794" cy="0"/>
-            </a:xfrm>
-            <a:custGeom>
-              <a:avLst/>
-              <a:pathLst>
-                <a:path w="34794" h="0">
-                  <a:moveTo>
-                    <a:pt x="0" y="0"/>
-                  </a:moveTo>
-                  <a:lnTo>
-                    <a:pt x="34794" y="0"/>
-                  </a:lnTo>
-                </a:path>
-              </a:pathLst>
-            </a:custGeom>
-            <a:ln w="6775" cap="flat">
-              <a:solidFill>
-                <a:srgbClr val="B3B3B3">
-                  <a:alpha val="100000"/>
-                </a:srgbClr>
-              </a:solidFill>
-              <a:prstDash val="solid"/>
-              <a:round/>
-            </a:ln>
-          </p:spPr>
-          <p:txBody>
-            <a:bodyPr/>
-            <a:lstStyle/>
-            <a:p/>
-          </p:txBody>
-        </p:sp>
-        <p:sp>
-          <p:nvSpPr>
-            <p:cNvPr id="47" name="pl47"/>
+            <p:cNvPr id="36" name="pl36"/>
             <p:cNvSpPr/>
             <p:nvPr/>
           </p:nvSpPr>
@@ -4916,13 +4468,13 @@
         </p:sp>
         <p:sp>
           <p:nvSpPr>
-            <p:cNvPr id="48" name="pl48"/>
+            <p:cNvPr id="37" name="pl37"/>
             <p:cNvSpPr/>
             <p:nvPr/>
           </p:nvSpPr>
           <p:spPr>
             <a:xfrm>
-              <a:off x="1988754" y="3052507"/>
+              <a:off x="1988754" y="2836251"/>
               <a:ext cx="34794" cy="0"/>
             </a:xfrm>
             <a:custGeom>
@@ -4956,13 +4508,13 @@
         </p:sp>
         <p:sp>
           <p:nvSpPr>
-            <p:cNvPr id="49" name="pl49"/>
+            <p:cNvPr id="38" name="pl38"/>
             <p:cNvSpPr/>
             <p:nvPr/>
           </p:nvSpPr>
           <p:spPr>
             <a:xfrm>
-              <a:off x="1988754" y="2490241"/>
+              <a:off x="1988754" y="2057730"/>
               <a:ext cx="34794" cy="0"/>
             </a:xfrm>
             <a:custGeom>
@@ -4996,47 +4548,7 @@
         </p:sp>
         <p:sp>
           <p:nvSpPr>
-            <p:cNvPr id="50" name="pl50"/>
-            <p:cNvSpPr/>
-            <p:nvPr/>
-          </p:nvSpPr>
-          <p:spPr>
-            <a:xfrm>
-              <a:off x="1988754" y="1927976"/>
-              <a:ext cx="34794" cy="0"/>
-            </a:xfrm>
-            <a:custGeom>
-              <a:avLst/>
-              <a:pathLst>
-                <a:path w="34794" h="0">
-                  <a:moveTo>
-                    <a:pt x="0" y="0"/>
-                  </a:moveTo>
-                  <a:lnTo>
-                    <a:pt x="34794" y="0"/>
-                  </a:lnTo>
-                </a:path>
-              </a:pathLst>
-            </a:custGeom>
-            <a:ln w="6775" cap="flat">
-              <a:solidFill>
-                <a:srgbClr val="B3B3B3">
-                  <a:alpha val="100000"/>
-                </a:srgbClr>
-              </a:solidFill>
-              <a:prstDash val="solid"/>
-              <a:round/>
-            </a:ln>
-          </p:spPr>
-          <p:txBody>
-            <a:bodyPr/>
-            <a:lstStyle/>
-            <a:p/>
-          </p:txBody>
-        </p:sp>
-        <p:sp>
-          <p:nvSpPr>
-            <p:cNvPr id="51" name="pl51"/>
+            <p:cNvPr id="39" name="pl39"/>
             <p:cNvSpPr/>
             <p:nvPr/>
           </p:nvSpPr>
@@ -5076,13 +4588,13 @@
         </p:sp>
         <p:sp>
           <p:nvSpPr>
-            <p:cNvPr id="52" name="pl52"/>
+            <p:cNvPr id="40" name="pl40"/>
             <p:cNvSpPr/>
             <p:nvPr/>
           </p:nvSpPr>
           <p:spPr>
             <a:xfrm>
-              <a:off x="3672693" y="5638927"/>
+              <a:off x="4261985" y="5638927"/>
               <a:ext cx="0" cy="34794"/>
             </a:xfrm>
             <a:custGeom>
@@ -5116,13 +4628,13 @@
         </p:sp>
         <p:sp>
           <p:nvSpPr>
-            <p:cNvPr id="53" name="pl53"/>
+            <p:cNvPr id="41" name="pl41"/>
             <p:cNvSpPr/>
             <p:nvPr/>
           </p:nvSpPr>
           <p:spPr>
             <a:xfrm>
-              <a:off x="5321838" y="5638927"/>
+              <a:off x="6500420" y="5638927"/>
               <a:ext cx="0" cy="34794"/>
             </a:xfrm>
             <a:custGeom>
@@ -5156,13 +4668,13 @@
         </p:sp>
         <p:sp>
           <p:nvSpPr>
-            <p:cNvPr id="54" name="pl54"/>
+            <p:cNvPr id="42" name="pl42"/>
             <p:cNvSpPr/>
             <p:nvPr/>
           </p:nvSpPr>
           <p:spPr>
             <a:xfrm>
-              <a:off x="6970982" y="5638927"/>
+              <a:off x="8738856" y="5638927"/>
               <a:ext cx="0" cy="34794"/>
             </a:xfrm>
             <a:custGeom>
@@ -5196,47 +4708,7 @@
         </p:sp>
         <p:sp>
           <p:nvSpPr>
-            <p:cNvPr id="55" name="pl55"/>
-            <p:cNvSpPr/>
-            <p:nvPr/>
-          </p:nvSpPr>
-          <p:spPr>
-            <a:xfrm>
-              <a:off x="8620126" y="5638927"/>
-              <a:ext cx="0" cy="34794"/>
-            </a:xfrm>
-            <a:custGeom>
-              <a:avLst/>
-              <a:pathLst>
-                <a:path w="0" h="34794">
-                  <a:moveTo>
-                    <a:pt x="0" y="34794"/>
-                  </a:moveTo>
-                  <a:lnTo>
-                    <a:pt x="0" y="0"/>
-                  </a:lnTo>
-                </a:path>
-              </a:pathLst>
-            </a:custGeom>
-            <a:ln w="6775" cap="flat">
-              <a:solidFill>
-                <a:srgbClr val="B3B3B3">
-                  <a:alpha val="100000"/>
-                </a:srgbClr>
-              </a:solidFill>
-              <a:prstDash val="solid"/>
-              <a:round/>
-            </a:ln>
-          </p:spPr>
-          <p:txBody>
-            <a:bodyPr/>
-            <a:lstStyle/>
-            <a:p/>
-          </p:txBody>
-        </p:sp>
-        <p:sp>
-          <p:nvSpPr>
-            <p:cNvPr id="56" name="tx56"/>
+            <p:cNvPr id="43" name="tx43"/>
             <p:cNvSpPr/>
             <p:nvPr/>
           </p:nvSpPr>
@@ -5282,59 +4754,13 @@
         </p:sp>
         <p:sp>
           <p:nvSpPr>
-            <p:cNvPr id="57" name="tx57"/>
+            <p:cNvPr id="44" name="tx44"/>
             <p:cNvSpPr/>
             <p:nvPr/>
           </p:nvSpPr>
           <p:spPr>
             <a:xfrm>
-              <a:off x="3579460" y="5699866"/>
-              <a:ext cx="186466" cy="81691"/>
-            </a:xfrm>
-            <a:prstGeom prst="rect">
-              <a:avLst/>
-            </a:prstGeom>
-            <a:noFill/>
-          </p:spPr>
-          <p:txBody>
-            <a:bodyPr lIns="0" rIns="0" tIns="0" bIns="0" anchorCtr="1" anchor="ctr" wrap="none"/>
-            <a:lstStyle/>
-            <a:p>
-              <a:pPr algn="l" marL="0" marR="0" indent="0">
-                <a:lnSpc>
-                  <a:spcPts val="880"/>
-                </a:lnSpc>
-                <a:spcBef>
-                  <a:spcPts val="0"/>
-                </a:spcBef>
-                <a:spcAft>
-                  <a:spcPts val="0"/>
-                </a:spcAft>
-              </a:pPr>
-              <a:r>
-                <a:rPr sz="880">
-                  <a:solidFill>
-                    <a:srgbClr val="4D4D4D">
-                      <a:alpha val="100000"/>
-                    </a:srgbClr>
-                  </a:solidFill>
-                  <a:latin typeface="Arial"/>
-                  <a:cs typeface="Arial"/>
-                </a:rPr>
-                <a:t>500</a:t>
-              </a:r>
-            </a:p>
-          </p:txBody>
-        </p:sp>
-        <p:sp>
-          <p:nvSpPr>
-            <p:cNvPr id="58" name="tx58"/>
-            <p:cNvSpPr/>
-            <p:nvPr/>
-          </p:nvSpPr>
-          <p:spPr>
-            <a:xfrm>
-              <a:off x="5197526" y="5699866"/>
+              <a:off x="4137673" y="5699866"/>
               <a:ext cx="248622" cy="81691"/>
             </a:xfrm>
             <a:prstGeom prst="rect">
@@ -5374,59 +4800,13 @@
         </p:sp>
         <p:sp>
           <p:nvSpPr>
-            <p:cNvPr id="59" name="tx59"/>
+            <p:cNvPr id="45" name="tx45"/>
             <p:cNvSpPr/>
             <p:nvPr/>
           </p:nvSpPr>
           <p:spPr>
             <a:xfrm>
-              <a:off x="6846671" y="5699866"/>
-              <a:ext cx="248622" cy="81691"/>
-            </a:xfrm>
-            <a:prstGeom prst="rect">
-              <a:avLst/>
-            </a:prstGeom>
-            <a:noFill/>
-          </p:spPr>
-          <p:txBody>
-            <a:bodyPr lIns="0" rIns="0" tIns="0" bIns="0" anchorCtr="1" anchor="ctr" wrap="none"/>
-            <a:lstStyle/>
-            <a:p>
-              <a:pPr algn="l" marL="0" marR="0" indent="0">
-                <a:lnSpc>
-                  <a:spcPts val="880"/>
-                </a:lnSpc>
-                <a:spcBef>
-                  <a:spcPts val="0"/>
-                </a:spcBef>
-                <a:spcAft>
-                  <a:spcPts val="0"/>
-                </a:spcAft>
-              </a:pPr>
-              <a:r>
-                <a:rPr sz="880">
-                  <a:solidFill>
-                    <a:srgbClr val="4D4D4D">
-                      <a:alpha val="100000"/>
-                    </a:srgbClr>
-                  </a:solidFill>
-                  <a:latin typeface="Arial"/>
-                  <a:cs typeface="Arial"/>
-                </a:rPr>
-                <a:t>1500</a:t>
-              </a:r>
-            </a:p>
-          </p:txBody>
-        </p:sp>
-        <p:sp>
-          <p:nvSpPr>
-            <p:cNvPr id="60" name="tx60"/>
-            <p:cNvSpPr/>
-            <p:nvPr/>
-          </p:nvSpPr>
-          <p:spPr>
-            <a:xfrm>
-              <a:off x="8495815" y="5699866"/>
+              <a:off x="6376109" y="5699866"/>
               <a:ext cx="248622" cy="81691"/>
             </a:xfrm>
             <a:prstGeom prst="rect">
@@ -5460,6 +4840,52 @@
                   <a:cs typeface="Arial"/>
                 </a:rPr>
                 <a:t>2000</a:t>
+              </a:r>
+            </a:p>
+          </p:txBody>
+        </p:sp>
+        <p:sp>
+          <p:nvSpPr>
+            <p:cNvPr id="46" name="tx46"/>
+            <p:cNvSpPr/>
+            <p:nvPr/>
+          </p:nvSpPr>
+          <p:spPr>
+            <a:xfrm>
+              <a:off x="8614545" y="5699811"/>
+              <a:ext cx="248622" cy="81746"/>
+            </a:xfrm>
+            <a:prstGeom prst="rect">
+              <a:avLst/>
+            </a:prstGeom>
+            <a:noFill/>
+          </p:spPr>
+          <p:txBody>
+            <a:bodyPr lIns="0" rIns="0" tIns="0" bIns="0" anchorCtr="1" anchor="ctr" wrap="none"/>
+            <a:lstStyle/>
+            <a:p>
+              <a:pPr algn="l" marL="0" marR="0" indent="0">
+                <a:lnSpc>
+                  <a:spcPts val="880"/>
+                </a:lnSpc>
+                <a:spcBef>
+                  <a:spcPts val="0"/>
+                </a:spcBef>
+                <a:spcAft>
+                  <a:spcPts val="0"/>
+                </a:spcAft>
+              </a:pPr>
+              <a:r>
+                <a:rPr sz="880">
+                  <a:solidFill>
+                    <a:srgbClr val="4D4D4D">
+                      <a:alpha val="100000"/>
+                    </a:srgbClr>
+                  </a:solidFill>
+                  <a:latin typeface="Arial"/>
+                  <a:cs typeface="Arial"/>
+                </a:rPr>
+                <a:t>3000</a:t>
               </a:r>
             </a:p>
           </p:txBody>

--- a/_book/plot/unnamed-chunk-66-1.pptx
+++ b/_book/plot/unnamed-chunk-66-1.pptx
@@ -3192,8 +3192,8 @@
           </p:nvSpPr>
           <p:spPr>
             <a:xfrm>
-              <a:off x="2019661" y="1590617"/>
-              <a:ext cx="6917431" cy="4055309"/>
+              <a:off x="2017917" y="1590617"/>
+              <a:ext cx="6919174" cy="4059006"/>
             </a:xfrm>
             <a:prstGeom prst="rect">
               <a:avLst/>
@@ -3218,15 +3218,15 @@
           </p:nvSpPr>
           <p:spPr>
             <a:xfrm>
-              <a:off x="2801694" y="1590617"/>
-              <a:ext cx="0" cy="4055309"/>
+              <a:off x="2800148" y="1590617"/>
+              <a:ext cx="0" cy="4059006"/>
             </a:xfrm>
             <a:custGeom>
               <a:avLst/>
               <a:pathLst>
-                <a:path w="0" h="4055309">
+                <a:path w="0" h="4059006">
                   <a:moveTo>
-                    <a:pt x="0" y="4055309"/>
+                    <a:pt x="0" y="4059006"/>
                   </a:moveTo>
                   <a:lnTo>
                     <a:pt x="0" y="0"/>
@@ -3261,15 +3261,15 @@
           </p:nvSpPr>
           <p:spPr>
             <a:xfrm>
-              <a:off x="4365761" y="1590617"/>
-              <a:ext cx="0" cy="4055309"/>
+              <a:off x="4364609" y="1590617"/>
+              <a:ext cx="0" cy="4059006"/>
             </a:xfrm>
             <a:custGeom>
               <a:avLst/>
               <a:pathLst>
-                <a:path w="0" h="4055309">
+                <a:path w="0" h="4059006">
                   <a:moveTo>
-                    <a:pt x="0" y="4055309"/>
+                    <a:pt x="0" y="4059006"/>
                   </a:moveTo>
                   <a:lnTo>
                     <a:pt x="0" y="0"/>
@@ -3304,15 +3304,15 @@
           </p:nvSpPr>
           <p:spPr>
             <a:xfrm>
-              <a:off x="5929829" y="1590617"/>
-              <a:ext cx="0" cy="4055309"/>
+              <a:off x="5929071" y="1590617"/>
+              <a:ext cx="0" cy="4059006"/>
             </a:xfrm>
             <a:custGeom>
               <a:avLst/>
               <a:pathLst>
-                <a:path w="0" h="4055309">
+                <a:path w="0" h="4059006">
                   <a:moveTo>
-                    <a:pt x="0" y="4055309"/>
+                    <a:pt x="0" y="4059006"/>
                   </a:moveTo>
                   <a:lnTo>
                     <a:pt x="0" y="0"/>
@@ -3347,15 +3347,15 @@
           </p:nvSpPr>
           <p:spPr>
             <a:xfrm>
-              <a:off x="7493896" y="1590617"/>
-              <a:ext cx="0" cy="4055309"/>
+              <a:off x="7493532" y="1590617"/>
+              <a:ext cx="0" cy="4059006"/>
             </a:xfrm>
             <a:custGeom>
               <a:avLst/>
               <a:pathLst>
-                <a:path w="0" h="4055309">
+                <a:path w="0" h="4059006">
                   <a:moveTo>
-                    <a:pt x="0" y="4055309"/>
+                    <a:pt x="0" y="4059006"/>
                   </a:moveTo>
                   <a:lnTo>
                     <a:pt x="0" y="0"/>
@@ -3390,21 +3390,21 @@
           </p:nvSpPr>
           <p:spPr>
             <a:xfrm>
-              <a:off x="2019661" y="5066596"/>
-              <a:ext cx="6917431" cy="0"/>
+              <a:off x="2017917" y="5069765"/>
+              <a:ext cx="6919174" cy="0"/>
             </a:xfrm>
             <a:custGeom>
               <a:avLst/>
               <a:pathLst>
-                <a:path w="6917431" h="0">
+                <a:path w="6919174" h="0">
                   <a:moveTo>
                     <a:pt x="0" y="0"/>
                   </a:moveTo>
                   <a:lnTo>
-                    <a:pt x="6917431" y="0"/>
-                  </a:lnTo>
-                  <a:lnTo>
-                    <a:pt x="6917431" y="0"/>
+                    <a:pt x="6919174" y="0"/>
+                  </a:lnTo>
+                  <a:lnTo>
+                    <a:pt x="6919174" y="0"/>
                   </a:lnTo>
                 </a:path>
               </a:pathLst>
@@ -3433,21 +3433,21 @@
           </p:nvSpPr>
           <p:spPr>
             <a:xfrm>
-              <a:off x="2019661" y="4101046"/>
-              <a:ext cx="6917431" cy="0"/>
+              <a:off x="2017917" y="4103335"/>
+              <a:ext cx="6919174" cy="0"/>
             </a:xfrm>
             <a:custGeom>
               <a:avLst/>
               <a:pathLst>
-                <a:path w="6917431" h="0">
+                <a:path w="6919174" h="0">
                   <a:moveTo>
                     <a:pt x="0" y="0"/>
                   </a:moveTo>
                   <a:lnTo>
-                    <a:pt x="6917431" y="0"/>
-                  </a:lnTo>
-                  <a:lnTo>
-                    <a:pt x="6917431" y="0"/>
+                    <a:pt x="6919174" y="0"/>
+                  </a:lnTo>
+                  <a:lnTo>
+                    <a:pt x="6919174" y="0"/>
                   </a:lnTo>
                 </a:path>
               </a:pathLst>
@@ -3476,21 +3476,21 @@
           </p:nvSpPr>
           <p:spPr>
             <a:xfrm>
-              <a:off x="2019661" y="3135496"/>
-              <a:ext cx="6917431" cy="0"/>
+              <a:off x="2017917" y="3136905"/>
+              <a:ext cx="6919174" cy="0"/>
             </a:xfrm>
             <a:custGeom>
               <a:avLst/>
               <a:pathLst>
-                <a:path w="6917431" h="0">
+                <a:path w="6919174" h="0">
                   <a:moveTo>
                     <a:pt x="0" y="0"/>
                   </a:moveTo>
                   <a:lnTo>
-                    <a:pt x="6917431" y="0"/>
-                  </a:lnTo>
-                  <a:lnTo>
-                    <a:pt x="6917431" y="0"/>
+                    <a:pt x="6919174" y="0"/>
+                  </a:lnTo>
+                  <a:lnTo>
+                    <a:pt x="6919174" y="0"/>
                   </a:lnTo>
                 </a:path>
               </a:pathLst>
@@ -3519,21 +3519,21 @@
           </p:nvSpPr>
           <p:spPr>
             <a:xfrm>
-              <a:off x="2019661" y="2169947"/>
-              <a:ext cx="6917431" cy="0"/>
+              <a:off x="2017917" y="2170475"/>
+              <a:ext cx="6919174" cy="0"/>
             </a:xfrm>
             <a:custGeom>
               <a:avLst/>
               <a:pathLst>
-                <a:path w="6917431" h="0">
+                <a:path w="6919174" h="0">
                   <a:moveTo>
                     <a:pt x="0" y="0"/>
                   </a:moveTo>
                   <a:lnTo>
-                    <a:pt x="6917431" y="0"/>
-                  </a:lnTo>
-                  <a:lnTo>
-                    <a:pt x="6917431" y="0"/>
+                    <a:pt x="6919174" y="0"/>
+                  </a:lnTo>
+                  <a:lnTo>
+                    <a:pt x="6919174" y="0"/>
                   </a:lnTo>
                 </a:path>
               </a:pathLst>
@@ -3562,15 +3562,15 @@
           </p:nvSpPr>
           <p:spPr>
             <a:xfrm>
-              <a:off x="2019661" y="1590617"/>
-              <a:ext cx="0" cy="4055309"/>
+              <a:off x="2017917" y="1590617"/>
+              <a:ext cx="0" cy="4059006"/>
             </a:xfrm>
             <a:custGeom>
               <a:avLst/>
               <a:pathLst>
-                <a:path w="0" h="4055309">
+                <a:path w="0" h="4059006">
                   <a:moveTo>
-                    <a:pt x="0" y="4055309"/>
+                    <a:pt x="0" y="4059006"/>
                   </a:moveTo>
                   <a:lnTo>
                     <a:pt x="0" y="0"/>
@@ -3605,15 +3605,15 @@
           </p:nvSpPr>
           <p:spPr>
             <a:xfrm>
-              <a:off x="3583728" y="1590617"/>
-              <a:ext cx="0" cy="4055309"/>
+              <a:off x="3582379" y="1590617"/>
+              <a:ext cx="0" cy="4059006"/>
             </a:xfrm>
             <a:custGeom>
               <a:avLst/>
               <a:pathLst>
-                <a:path w="0" h="4055309">
+                <a:path w="0" h="4059006">
                   <a:moveTo>
-                    <a:pt x="0" y="4055309"/>
+                    <a:pt x="0" y="4059006"/>
                   </a:moveTo>
                   <a:lnTo>
                     <a:pt x="0" y="0"/>
@@ -3648,15 +3648,15 @@
           </p:nvSpPr>
           <p:spPr>
             <a:xfrm>
-              <a:off x="5147795" y="1590617"/>
-              <a:ext cx="0" cy="4055309"/>
+              <a:off x="5146840" y="1590617"/>
+              <a:ext cx="0" cy="4059006"/>
             </a:xfrm>
             <a:custGeom>
               <a:avLst/>
               <a:pathLst>
-                <a:path w="0" h="4055309">
+                <a:path w="0" h="4059006">
                   <a:moveTo>
-                    <a:pt x="0" y="4055309"/>
+                    <a:pt x="0" y="4059006"/>
                   </a:moveTo>
                   <a:lnTo>
                     <a:pt x="0" y="0"/>
@@ -3691,15 +3691,15 @@
           </p:nvSpPr>
           <p:spPr>
             <a:xfrm>
-              <a:off x="6711862" y="1590617"/>
-              <a:ext cx="0" cy="4055309"/>
+              <a:off x="6711301" y="1590617"/>
+              <a:ext cx="0" cy="4059006"/>
             </a:xfrm>
             <a:custGeom>
               <a:avLst/>
               <a:pathLst>
-                <a:path w="0" h="4055309">
+                <a:path w="0" h="4059006">
                   <a:moveTo>
-                    <a:pt x="0" y="4055309"/>
+                    <a:pt x="0" y="4059006"/>
                   </a:moveTo>
                   <a:lnTo>
                     <a:pt x="0" y="0"/>
@@ -3734,15 +3734,15 @@
           </p:nvSpPr>
           <p:spPr>
             <a:xfrm>
-              <a:off x="8275929" y="1590617"/>
-              <a:ext cx="0" cy="4055309"/>
+              <a:off x="8275763" y="1590617"/>
+              <a:ext cx="0" cy="4059006"/>
             </a:xfrm>
             <a:custGeom>
               <a:avLst/>
               <a:pathLst>
-                <a:path w="0" h="4055309">
+                <a:path w="0" h="4059006">
                   <a:moveTo>
-                    <a:pt x="0" y="4055309"/>
+                    <a:pt x="0" y="4059006"/>
                   </a:moveTo>
                   <a:lnTo>
                     <a:pt x="0" y="0"/>
@@ -3777,8 +3777,8 @@
           </p:nvSpPr>
           <p:spPr>
             <a:xfrm>
-              <a:off x="2019661" y="1735449"/>
-              <a:ext cx="6781795" cy="868994"/>
+              <a:off x="2017917" y="1735581"/>
+              <a:ext cx="6783504" cy="869787"/>
             </a:xfrm>
             <a:prstGeom prst="rect">
               <a:avLst/>
@@ -3803,8 +3803,8 @@
           </p:nvSpPr>
           <p:spPr>
             <a:xfrm>
-              <a:off x="2019661" y="2700999"/>
-              <a:ext cx="2641709" cy="868994"/>
+              <a:off x="2017917" y="2702011"/>
+              <a:ext cx="2642375" cy="869787"/>
             </a:xfrm>
             <a:prstGeom prst="rect">
               <a:avLst/>
@@ -3829,8 +3829,8 @@
           </p:nvSpPr>
           <p:spPr>
             <a:xfrm>
-              <a:off x="2019661" y="3666549"/>
-              <a:ext cx="1600040" cy="868994"/>
+              <a:off x="2017917" y="3668441"/>
+              <a:ext cx="1600444" cy="869787"/>
             </a:xfrm>
             <a:prstGeom prst="rect">
               <a:avLst/>
@@ -3855,8 +3855,8 @@
           </p:nvSpPr>
           <p:spPr>
             <a:xfrm>
-              <a:off x="2019661" y="4632099"/>
-              <a:ext cx="1493684" cy="868994"/>
+              <a:off x="2017917" y="4634872"/>
+              <a:ext cx="1494060" cy="869787"/>
             </a:xfrm>
             <a:prstGeom prst="rect">
               <a:avLst/>
@@ -3881,7 +3881,7 @@
           </p:nvSpPr>
           <p:spPr>
             <a:xfrm>
-              <a:off x="8028563" y="2108053"/>
+              <a:off x="8028495" y="2108581"/>
               <a:ext cx="88925" cy="94007"/>
             </a:xfrm>
             <a:custGeom>
@@ -3936,7 +3936,7 @@
           </p:nvSpPr>
           <p:spPr>
             <a:xfrm>
-              <a:off x="8037032" y="2116099"/>
+              <a:off x="8036964" y="2116627"/>
               <a:ext cx="71987" cy="71987"/>
             </a:xfrm>
             <a:custGeom>
@@ -3979,7 +3979,7 @@
           </p:nvSpPr>
           <p:spPr>
             <a:xfrm>
-              <a:off x="8041690" y="2124991"/>
+              <a:off x="8041622" y="2125520"/>
               <a:ext cx="62671" cy="54625"/>
             </a:xfrm>
             <a:custGeom>
@@ -4070,7 +4070,7 @@
           </p:nvSpPr>
           <p:spPr>
             <a:xfrm>
-              <a:off x="8084883" y="2156327"/>
+              <a:off x="8084815" y="2156855"/>
               <a:ext cx="14397" cy="13550"/>
             </a:xfrm>
             <a:custGeom>
@@ -4167,7 +4167,7 @@
           </p:nvSpPr>
           <p:spPr>
             <a:xfrm>
-              <a:off x="8139085" y="2105512"/>
+              <a:off x="8139018" y="2106041"/>
               <a:ext cx="87232" cy="19055"/>
             </a:xfrm>
             <a:custGeom>
@@ -4276,7 +4276,7 @@
           </p:nvSpPr>
           <p:spPr>
             <a:xfrm>
-              <a:off x="8131886" y="2126685"/>
+              <a:off x="8131819" y="2127213"/>
               <a:ext cx="95277" cy="76222"/>
             </a:xfrm>
             <a:custGeom>
@@ -4451,7 +4451,7 @@
           </p:nvSpPr>
           <p:spPr>
             <a:xfrm>
-              <a:off x="8157717" y="2127109"/>
+              <a:off x="8157650" y="2127637"/>
               <a:ext cx="15244" cy="16514"/>
             </a:xfrm>
             <a:custGeom>
@@ -4548,7 +4548,7 @@
           </p:nvSpPr>
           <p:spPr>
             <a:xfrm>
-              <a:off x="8240715" y="2104665"/>
+              <a:off x="8240647" y="2105194"/>
               <a:ext cx="49121" cy="96548"/>
             </a:xfrm>
             <a:custGeom>
@@ -4894,7 +4894,7 @@
           </p:nvSpPr>
           <p:spPr>
             <a:xfrm>
-              <a:off x="8296188" y="2113558"/>
+              <a:off x="8296120" y="2114086"/>
               <a:ext cx="38534" cy="82997"/>
             </a:xfrm>
             <a:custGeom>
@@ -4949,7 +4949,7 @@
           </p:nvSpPr>
           <p:spPr>
             <a:xfrm>
-              <a:off x="8304233" y="2121180"/>
+              <a:off x="8304166" y="2121708"/>
               <a:ext cx="22443" cy="60130"/>
             </a:xfrm>
             <a:custGeom>
@@ -4992,7 +4992,7 @@
           </p:nvSpPr>
           <p:spPr>
             <a:xfrm>
-              <a:off x="8349120" y="2104665"/>
+              <a:off x="8349052" y="2105194"/>
               <a:ext cx="91043" cy="97395"/>
             </a:xfrm>
             <a:custGeom>
@@ -5311,7 +5311,7 @@
           </p:nvSpPr>
           <p:spPr>
             <a:xfrm>
-              <a:off x="8380456" y="2166067"/>
+              <a:off x="8380388" y="2166595"/>
               <a:ext cx="51238" cy="21596"/>
             </a:xfrm>
             <a:custGeom>
@@ -5354,7 +5354,7 @@
           </p:nvSpPr>
           <p:spPr>
             <a:xfrm>
-              <a:off x="8470652" y="2108900"/>
+              <a:off x="8470584" y="2109428"/>
               <a:ext cx="71987" cy="36840"/>
             </a:xfrm>
             <a:custGeom>
@@ -5397,7 +5397,7 @@
           </p:nvSpPr>
           <p:spPr>
             <a:xfrm>
-              <a:off x="8479121" y="2116946"/>
+              <a:off x="8479054" y="2117474"/>
               <a:ext cx="55472" cy="20749"/>
             </a:xfrm>
             <a:custGeom>
@@ -5440,7 +5440,7 @@
           </p:nvSpPr>
           <p:spPr>
             <a:xfrm>
-              <a:off x="8461759" y="2154210"/>
+              <a:off x="8461692" y="2154738"/>
               <a:ext cx="40228" cy="47850"/>
             </a:xfrm>
             <a:custGeom>
@@ -5495,7 +5495,7 @@
           </p:nvSpPr>
           <p:spPr>
             <a:xfrm>
-              <a:off x="8469805" y="2161832"/>
+              <a:off x="8469737" y="2162360"/>
               <a:ext cx="24137" cy="26254"/>
             </a:xfrm>
             <a:custGeom>
@@ -5538,7 +5538,7 @@
           </p:nvSpPr>
           <p:spPr>
             <a:xfrm>
-              <a:off x="8511304" y="2154210"/>
+              <a:off x="8511236" y="2154738"/>
               <a:ext cx="39804" cy="47850"/>
             </a:xfrm>
             <a:custGeom>
@@ -5593,7 +5593,7 @@
           </p:nvSpPr>
           <p:spPr>
             <a:xfrm>
-              <a:off x="8519349" y="2161832"/>
+              <a:off x="8519282" y="2162360"/>
               <a:ext cx="23713" cy="26254"/>
             </a:xfrm>
             <a:custGeom>
@@ -5636,7 +5636,7 @@
           </p:nvSpPr>
           <p:spPr>
             <a:xfrm>
-              <a:off x="8566353" y="2104665"/>
+              <a:off x="8566286" y="2105194"/>
               <a:ext cx="39804" cy="97395"/>
             </a:xfrm>
             <a:custGeom>
@@ -5778,7 +5778,7 @@
           </p:nvSpPr>
           <p:spPr>
             <a:xfrm>
-              <a:off x="8607429" y="2105089"/>
+              <a:off x="8607361" y="2105617"/>
               <a:ext cx="56319" cy="96971"/>
             </a:xfrm>
             <a:custGeom>
@@ -5989,7 +5989,7 @@
           </p:nvSpPr>
           <p:spPr>
             <a:xfrm>
-              <a:off x="8619285" y="2122874"/>
+              <a:off x="8619218" y="2123402"/>
               <a:ext cx="13127" cy="10162"/>
             </a:xfrm>
             <a:custGeom>
@@ -6059,7 +6059,7 @@
           </p:nvSpPr>
           <p:spPr>
             <a:xfrm>
-              <a:off x="8640035" y="2122874"/>
+              <a:off x="8639967" y="2123402"/>
               <a:ext cx="11856" cy="10162"/>
             </a:xfrm>
             <a:custGeom>
@@ -6102,7 +6102,7 @@
           </p:nvSpPr>
           <p:spPr>
             <a:xfrm>
-              <a:off x="8619285" y="2140236"/>
+              <a:off x="8619218" y="2140764"/>
               <a:ext cx="12280" cy="10162"/>
             </a:xfrm>
             <a:custGeom>
@@ -6172,7 +6172,7 @@
           </p:nvSpPr>
           <p:spPr>
             <a:xfrm>
-              <a:off x="8637917" y="2140236"/>
+              <a:off x="8637850" y="2140764"/>
               <a:ext cx="13974" cy="10162"/>
             </a:xfrm>
             <a:custGeom>
@@ -6242,7 +6242,7 @@
           </p:nvSpPr>
           <p:spPr>
             <a:xfrm>
-              <a:off x="4802889" y="3085978"/>
+              <a:off x="4801845" y="3087387"/>
               <a:ext cx="22866" cy="19479"/>
             </a:xfrm>
             <a:custGeom>
@@ -6339,7 +6339,7 @@
           </p:nvSpPr>
           <p:spPr>
             <a:xfrm>
-              <a:off x="4798654" y="3112233"/>
+              <a:off x="4797610" y="3113641"/>
               <a:ext cx="21596" cy="17785"/>
             </a:xfrm>
             <a:custGeom>
@@ -6436,7 +6436,7 @@
           </p:nvSpPr>
           <p:spPr>
             <a:xfrm>
-              <a:off x="4798231" y="3138911"/>
+              <a:off x="4797187" y="3140319"/>
               <a:ext cx="23290" cy="43616"/>
             </a:xfrm>
             <a:custGeom>
@@ -6533,7 +6533,7 @@
           </p:nvSpPr>
           <p:spPr>
             <a:xfrm>
-              <a:off x="4823215" y="3084708"/>
+              <a:off x="4822171" y="3086117"/>
               <a:ext cx="69446" cy="33029"/>
             </a:xfrm>
             <a:custGeom>
@@ -6669,7 +6669,7 @@
           </p:nvSpPr>
           <p:spPr>
             <a:xfrm>
-              <a:off x="4825756" y="3110962"/>
+              <a:off x="4824711" y="3112371"/>
               <a:ext cx="71564" cy="71564"/>
             </a:xfrm>
             <a:custGeom>
@@ -6949,7 +6949,7 @@
           </p:nvSpPr>
           <p:spPr>
             <a:xfrm>
-              <a:off x="4844811" y="3118161"/>
+              <a:off x="4843767" y="3119570"/>
               <a:ext cx="35570" cy="17361"/>
             </a:xfrm>
             <a:custGeom>
@@ -7046,7 +7046,7 @@
           </p:nvSpPr>
           <p:spPr>
             <a:xfrm>
-              <a:off x="4854127" y="3120278"/>
+              <a:off x="4853083" y="3121687"/>
               <a:ext cx="14820" cy="13550"/>
             </a:xfrm>
             <a:custGeom>
@@ -7143,7 +7143,7 @@
           </p:nvSpPr>
           <p:spPr>
             <a:xfrm>
-              <a:off x="4841000" y="3143145"/>
+              <a:off x="4839956" y="3144554"/>
               <a:ext cx="38534" cy="17361"/>
             </a:xfrm>
             <a:custGeom>
@@ -7213,7 +7213,7 @@
           </p:nvSpPr>
           <p:spPr>
             <a:xfrm>
-              <a:off x="4853280" y="3144839"/>
+              <a:off x="4852236" y="3146247"/>
               <a:ext cx="15244" cy="13974"/>
             </a:xfrm>
             <a:custGeom>
@@ -7310,7 +7310,7 @@
           </p:nvSpPr>
           <p:spPr>
             <a:xfrm>
-              <a:off x="4926962" y="3085132"/>
+              <a:off x="4925918" y="3086540"/>
               <a:ext cx="74528" cy="97818"/>
             </a:xfrm>
             <a:custGeom>
@@ -7626,7 +7626,7 @@
           </p:nvSpPr>
           <p:spPr>
             <a:xfrm>
-              <a:off x="4930773" y="3106728"/>
+              <a:off x="4929729" y="3108136"/>
               <a:ext cx="54202" cy="60977"/>
             </a:xfrm>
             <a:custGeom>
@@ -7795,7 +7795,7 @@
           </p:nvSpPr>
           <p:spPr>
             <a:xfrm>
-              <a:off x="4909177" y="3086825"/>
+              <a:off x="4908132" y="3088234"/>
               <a:ext cx="19902" cy="18632"/>
             </a:xfrm>
             <a:custGeom>
@@ -7892,7 +7892,7 @@
           </p:nvSpPr>
           <p:spPr>
             <a:xfrm>
-              <a:off x="4906636" y="3112233"/>
+              <a:off x="4905592" y="3113641"/>
               <a:ext cx="20325" cy="18632"/>
             </a:xfrm>
             <a:custGeom>
@@ -7989,7 +7989,7 @@
           </p:nvSpPr>
           <p:spPr>
             <a:xfrm>
-              <a:off x="4906636" y="3140604"/>
+              <a:off x="4905592" y="3142013"/>
               <a:ext cx="20749" cy="42345"/>
             </a:xfrm>
             <a:custGeom>
@@ -8086,7 +8086,7 @@
           </p:nvSpPr>
           <p:spPr>
             <a:xfrm>
-              <a:off x="5017158" y="3087672"/>
+              <a:off x="5016114" y="3089081"/>
               <a:ext cx="21172" cy="20325"/>
             </a:xfrm>
             <a:custGeom>
@@ -8183,7 +8183,7 @@
           </p:nvSpPr>
           <p:spPr>
             <a:xfrm>
-              <a:off x="5015464" y="3122819"/>
+              <a:off x="5014420" y="3124228"/>
               <a:ext cx="98242" cy="58860"/>
             </a:xfrm>
             <a:custGeom>
@@ -8394,7 +8394,7 @@
           </p:nvSpPr>
           <p:spPr>
             <a:xfrm>
-              <a:off x="5043836" y="3085555"/>
+              <a:off x="5042792" y="3086963"/>
               <a:ext cx="68176" cy="82574"/>
             </a:xfrm>
             <a:custGeom>
@@ -8563,7 +8563,7 @@
           </p:nvSpPr>
           <p:spPr>
             <a:xfrm>
-              <a:off x="5070090" y="3110962"/>
+              <a:off x="5069046" y="3112371"/>
               <a:ext cx="15244" cy="18208"/>
             </a:xfrm>
             <a:custGeom>
@@ -8606,7 +8606,7 @@
           </p:nvSpPr>
           <p:spPr>
             <a:xfrm>
-              <a:off x="5136150" y="3093177"/>
+              <a:off x="5135105" y="3094586"/>
               <a:ext cx="74104" cy="88079"/>
             </a:xfrm>
             <a:custGeom>
@@ -8661,7 +8661,7 @@
           </p:nvSpPr>
           <p:spPr>
             <a:xfrm>
-              <a:off x="5144195" y="3101223"/>
+              <a:off x="5143151" y="3102631"/>
               <a:ext cx="57590" cy="62671"/>
             </a:xfrm>
             <a:custGeom>
@@ -8704,7 +8704,7 @@
           </p:nvSpPr>
           <p:spPr>
             <a:xfrm>
-              <a:off x="5272503" y="3085555"/>
+              <a:off x="5271458" y="3086963"/>
               <a:ext cx="54625" cy="96971"/>
             </a:xfrm>
             <a:custGeom>
@@ -9020,7 +9020,7 @@
           </p:nvSpPr>
           <p:spPr>
             <a:xfrm>
-              <a:off x="5286477" y="3127477"/>
+              <a:off x="5285433" y="3128886"/>
               <a:ext cx="18632" cy="24560"/>
             </a:xfrm>
             <a:custGeom>
@@ -9117,7 +9117,7 @@
           </p:nvSpPr>
           <p:spPr>
             <a:xfrm>
-              <a:off x="5236086" y="3085132"/>
+              <a:off x="5235041" y="3086540"/>
               <a:ext cx="34723" cy="93584"/>
             </a:xfrm>
             <a:custGeom>
@@ -9238,7 +9238,7 @@
           </p:nvSpPr>
           <p:spPr>
             <a:xfrm>
-              <a:off x="5243708" y="3107151"/>
+              <a:off x="5242663" y="3108560"/>
               <a:ext cx="19479" cy="24560"/>
             </a:xfrm>
             <a:custGeom>
@@ -9281,7 +9281,7 @@
           </p:nvSpPr>
           <p:spPr>
             <a:xfrm>
-              <a:off x="5243708" y="3139758"/>
+              <a:off x="5242663" y="3141166"/>
               <a:ext cx="19479" cy="24560"/>
             </a:xfrm>
             <a:custGeom>
@@ -9324,7 +9324,7 @@
           </p:nvSpPr>
           <p:spPr>
             <a:xfrm>
-              <a:off x="5341103" y="3085555"/>
+              <a:off x="5340059" y="3086963"/>
               <a:ext cx="96971" cy="73258"/>
             </a:xfrm>
             <a:custGeom>
@@ -9415,7 +9415,7 @@
           </p:nvSpPr>
           <p:spPr>
             <a:xfrm>
-              <a:off x="5369898" y="3105881"/>
+              <a:off x="5368854" y="3107289"/>
               <a:ext cx="41498" cy="10162"/>
             </a:xfrm>
             <a:custGeom>
@@ -9458,7 +9458,7 @@
           </p:nvSpPr>
           <p:spPr>
             <a:xfrm>
-              <a:off x="5369898" y="3123243"/>
+              <a:off x="5368854" y="3124651"/>
               <a:ext cx="41498" cy="11009"/>
             </a:xfrm>
             <a:custGeom>
@@ -9501,7 +9501,7 @@
           </p:nvSpPr>
           <p:spPr>
             <a:xfrm>
-              <a:off x="5369898" y="3141451"/>
+              <a:off x="5368854" y="3142860"/>
               <a:ext cx="41498" cy="9739"/>
             </a:xfrm>
             <a:custGeom>
@@ -9544,7 +9544,7 @@
           </p:nvSpPr>
           <p:spPr>
             <a:xfrm>
-              <a:off x="5342797" y="3161777"/>
+              <a:off x="5341752" y="3163186"/>
               <a:ext cx="37264" cy="21172"/>
             </a:xfrm>
             <a:custGeom>
@@ -9641,7 +9641,7 @@
           </p:nvSpPr>
           <p:spPr>
             <a:xfrm>
-              <a:off x="5399116" y="3161777"/>
+              <a:off x="5398072" y="3163186"/>
               <a:ext cx="37687" cy="21172"/>
             </a:xfrm>
             <a:custGeom>
@@ -9738,7 +9738,7 @@
           </p:nvSpPr>
           <p:spPr>
             <a:xfrm>
-              <a:off x="5448237" y="3085132"/>
+              <a:off x="5447193" y="3086540"/>
               <a:ext cx="29641" cy="97395"/>
             </a:xfrm>
             <a:custGeom>
@@ -9874,7 +9874,7 @@
           </p:nvSpPr>
           <p:spPr>
             <a:xfrm>
-              <a:off x="5474068" y="3085978"/>
+              <a:off x="5473024" y="3087387"/>
               <a:ext cx="72411" cy="94430"/>
             </a:xfrm>
             <a:custGeom>
@@ -10418,7 +10418,7 @@
           </p:nvSpPr>
           <p:spPr>
             <a:xfrm>
-              <a:off x="5570617" y="3089366"/>
+              <a:off x="5569572" y="3090775"/>
               <a:ext cx="71987" cy="36840"/>
             </a:xfrm>
             <a:custGeom>
@@ -10461,7 +10461,7 @@
           </p:nvSpPr>
           <p:spPr>
             <a:xfrm>
-              <a:off x="5579086" y="3097412"/>
+              <a:off x="5578041" y="3098820"/>
               <a:ext cx="55472" cy="20749"/>
             </a:xfrm>
             <a:custGeom>
@@ -10504,7 +10504,7 @@
           </p:nvSpPr>
           <p:spPr>
             <a:xfrm>
-              <a:off x="5561724" y="3134676"/>
+              <a:off x="5560680" y="3136084"/>
               <a:ext cx="40228" cy="47850"/>
             </a:xfrm>
             <a:custGeom>
@@ -10559,7 +10559,7 @@
           </p:nvSpPr>
           <p:spPr>
             <a:xfrm>
-              <a:off x="5569770" y="3142298"/>
+              <a:off x="5568725" y="3143707"/>
               <a:ext cx="24137" cy="26254"/>
             </a:xfrm>
             <a:custGeom>
@@ -10602,7 +10602,7 @@
           </p:nvSpPr>
           <p:spPr>
             <a:xfrm>
-              <a:off x="5611268" y="3134676"/>
+              <a:off x="5610224" y="3136084"/>
               <a:ext cx="39804" cy="47850"/>
             </a:xfrm>
             <a:custGeom>
@@ -10657,7 +10657,7 @@
           </p:nvSpPr>
           <p:spPr>
             <a:xfrm>
-              <a:off x="5619314" y="3142298"/>
+              <a:off x="5618270" y="3143707"/>
               <a:ext cx="23713" cy="26254"/>
             </a:xfrm>
             <a:custGeom>
@@ -10700,7 +10700,7 @@
           </p:nvSpPr>
           <p:spPr>
             <a:xfrm>
-              <a:off x="5666318" y="3085132"/>
+              <a:off x="5665274" y="3086540"/>
               <a:ext cx="39804" cy="97395"/>
             </a:xfrm>
             <a:custGeom>
@@ -10842,7 +10842,7 @@
           </p:nvSpPr>
           <p:spPr>
             <a:xfrm>
-              <a:off x="5707393" y="3085555"/>
+              <a:off x="5706349" y="3086963"/>
               <a:ext cx="56319" cy="96971"/>
             </a:xfrm>
             <a:custGeom>
@@ -11053,7 +11053,7 @@
           </p:nvSpPr>
           <p:spPr>
             <a:xfrm>
-              <a:off x="5719250" y="3103340"/>
+              <a:off x="5718206" y="3104749"/>
               <a:ext cx="13127" cy="10162"/>
             </a:xfrm>
             <a:custGeom>
@@ -11123,7 +11123,7 @@
           </p:nvSpPr>
           <p:spPr>
             <a:xfrm>
-              <a:off x="5739999" y="3103340"/>
+              <a:off x="5738955" y="3104749"/>
               <a:ext cx="11856" cy="10162"/>
             </a:xfrm>
             <a:custGeom>
@@ -11166,7 +11166,7 @@
           </p:nvSpPr>
           <p:spPr>
             <a:xfrm>
-              <a:off x="5719250" y="3120702"/>
+              <a:off x="5718206" y="3122110"/>
               <a:ext cx="12280" cy="10162"/>
             </a:xfrm>
             <a:custGeom>
@@ -11236,7 +11236,7 @@
           </p:nvSpPr>
           <p:spPr>
             <a:xfrm>
-              <a:off x="5737882" y="3120702"/>
+              <a:off x="5736838" y="3122110"/>
               <a:ext cx="13974" cy="10162"/>
             </a:xfrm>
             <a:custGeom>
@@ -11306,7 +11306,7 @@
           </p:nvSpPr>
           <p:spPr>
             <a:xfrm>
-              <a:off x="3761644" y="4054069"/>
+              <a:off x="3760337" y="4056358"/>
               <a:ext cx="88925" cy="94007"/>
             </a:xfrm>
             <a:custGeom>
@@ -11361,7 +11361,7 @@
           </p:nvSpPr>
           <p:spPr>
             <a:xfrm>
-              <a:off x="3770113" y="4062115"/>
+              <a:off x="3768806" y="4064403"/>
               <a:ext cx="71987" cy="71987"/>
             </a:xfrm>
             <a:custGeom>
@@ -11404,7 +11404,7 @@
           </p:nvSpPr>
           <p:spPr>
             <a:xfrm>
-              <a:off x="3774771" y="4071007"/>
+              <a:off x="3773464" y="4073296"/>
               <a:ext cx="62671" cy="54625"/>
             </a:xfrm>
             <a:custGeom>
@@ -11495,7 +11495,7 @@
           </p:nvSpPr>
           <p:spPr>
             <a:xfrm>
-              <a:off x="3817963" y="4102343"/>
+              <a:off x="3816657" y="4104632"/>
               <a:ext cx="14397" cy="13550"/>
             </a:xfrm>
             <a:custGeom>
@@ -11592,7 +11592,7 @@
           </p:nvSpPr>
           <p:spPr>
             <a:xfrm>
-              <a:off x="3872166" y="4051528"/>
+              <a:off x="3870859" y="4053817"/>
               <a:ext cx="87232" cy="19055"/>
             </a:xfrm>
             <a:custGeom>
@@ -11701,7 +11701,7 @@
           </p:nvSpPr>
           <p:spPr>
             <a:xfrm>
-              <a:off x="3864967" y="4072701"/>
+              <a:off x="3863660" y="4074990"/>
               <a:ext cx="95277" cy="76222"/>
             </a:xfrm>
             <a:custGeom>
@@ -11876,7 +11876,7 @@
           </p:nvSpPr>
           <p:spPr>
             <a:xfrm>
-              <a:off x="3890798" y="4073125"/>
+              <a:off x="3889491" y="4075413"/>
               <a:ext cx="15244" cy="16514"/>
             </a:xfrm>
             <a:custGeom>
@@ -11973,7 +11973,7 @@
           </p:nvSpPr>
           <p:spPr>
             <a:xfrm>
-              <a:off x="3975489" y="4049834"/>
+              <a:off x="3974183" y="4052123"/>
               <a:ext cx="49967" cy="98242"/>
             </a:xfrm>
             <a:custGeom>
@@ -12346,7 +12346,7 @@
           </p:nvSpPr>
           <p:spPr>
             <a:xfrm>
-              <a:off x="3992428" y="4067196"/>
+              <a:off x="3991121" y="4069485"/>
               <a:ext cx="18632" cy="17361"/>
             </a:xfrm>
             <a:custGeom>
@@ -12443,7 +12443,7 @@
           </p:nvSpPr>
           <p:spPr>
             <a:xfrm>
-              <a:off x="3973372" y="4114200"/>
+              <a:off x="3972065" y="4116489"/>
               <a:ext cx="19055" cy="23290"/>
             </a:xfrm>
             <a:custGeom>
@@ -12540,7 +12540,7 @@
           </p:nvSpPr>
           <p:spPr>
             <a:xfrm>
-              <a:off x="4007249" y="4114623"/>
+              <a:off x="4005942" y="4116912"/>
               <a:ext cx="16091" cy="18208"/>
             </a:xfrm>
             <a:custGeom>
@@ -12637,7 +12637,7 @@
           </p:nvSpPr>
           <p:spPr>
             <a:xfrm>
-              <a:off x="4019529" y="4052375"/>
+              <a:off x="4018222" y="4054664"/>
               <a:ext cx="52085" cy="95277"/>
             </a:xfrm>
             <a:custGeom>
@@ -12881,7 +12881,7 @@
           </p:nvSpPr>
           <p:spPr>
             <a:xfrm>
-              <a:off x="4119041" y="4052799"/>
+              <a:off x="4117734" y="4055087"/>
               <a:ext cx="18632" cy="36417"/>
             </a:xfrm>
             <a:custGeom>
@@ -12978,7 +12978,7 @@
           </p:nvSpPr>
           <p:spPr>
             <a:xfrm>
-              <a:off x="4083894" y="4057880"/>
+              <a:off x="4082588" y="4060169"/>
               <a:ext cx="94854" cy="49121"/>
             </a:xfrm>
             <a:custGeom>
@@ -13087,7 +13087,7 @@
           </p:nvSpPr>
           <p:spPr>
             <a:xfrm>
-              <a:off x="4089399" y="4062115"/>
+              <a:off x="4088093" y="4064403"/>
               <a:ext cx="23290" cy="29641"/>
             </a:xfrm>
             <a:custGeom>
@@ -13184,7 +13184,7 @@
           </p:nvSpPr>
           <p:spPr>
             <a:xfrm>
-              <a:off x="4084741" y="4114623"/>
+              <a:off x="4083434" y="4116912"/>
               <a:ext cx="35993" cy="34300"/>
             </a:xfrm>
             <a:custGeom>
@@ -13281,7 +13281,7 @@
           </p:nvSpPr>
           <p:spPr>
             <a:xfrm>
-              <a:off x="4138944" y="4115047"/>
+              <a:off x="4137637" y="4117336"/>
               <a:ext cx="37687" cy="33876"/>
             </a:xfrm>
             <a:custGeom>
@@ -13378,7 +13378,7 @@
           </p:nvSpPr>
           <p:spPr>
             <a:xfrm>
-              <a:off x="4203733" y="4054916"/>
+              <a:off x="4202426" y="4057205"/>
               <a:ext cx="71987" cy="36840"/>
             </a:xfrm>
             <a:custGeom>
@@ -13421,7 +13421,7 @@
           </p:nvSpPr>
           <p:spPr>
             <a:xfrm>
-              <a:off x="4212202" y="4062962"/>
+              <a:off x="4210895" y="4065250"/>
               <a:ext cx="55472" cy="20749"/>
             </a:xfrm>
             <a:custGeom>
@@ -13464,7 +13464,7 @@
           </p:nvSpPr>
           <p:spPr>
             <a:xfrm>
-              <a:off x="4194840" y="4100226"/>
+              <a:off x="4193533" y="4102515"/>
               <a:ext cx="40228" cy="47850"/>
             </a:xfrm>
             <a:custGeom>
@@ -13519,7 +13519,7 @@
           </p:nvSpPr>
           <p:spPr>
             <a:xfrm>
-              <a:off x="4202886" y="4107848"/>
+              <a:off x="4201579" y="4110137"/>
               <a:ext cx="24137" cy="26254"/>
             </a:xfrm>
             <a:custGeom>
@@ -13562,7 +13562,7 @@
           </p:nvSpPr>
           <p:spPr>
             <a:xfrm>
-              <a:off x="4244385" y="4100226"/>
+              <a:off x="4243078" y="4102515"/>
               <a:ext cx="39804" cy="47850"/>
             </a:xfrm>
             <a:custGeom>
@@ -13617,7 +13617,7 @@
           </p:nvSpPr>
           <p:spPr>
             <a:xfrm>
-              <a:off x="4252430" y="4107848"/>
+              <a:off x="4251123" y="4110137"/>
               <a:ext cx="23713" cy="26254"/>
             </a:xfrm>
             <a:custGeom>
@@ -13660,7 +13660,7 @@
           </p:nvSpPr>
           <p:spPr>
             <a:xfrm>
-              <a:off x="4299434" y="4050681"/>
+              <a:off x="4298127" y="4052970"/>
               <a:ext cx="39804" cy="97395"/>
             </a:xfrm>
             <a:custGeom>
@@ -13802,7 +13802,7 @@
           </p:nvSpPr>
           <p:spPr>
             <a:xfrm>
-              <a:off x="4340509" y="4051105"/>
+              <a:off x="4339203" y="4053394"/>
               <a:ext cx="56319" cy="96971"/>
             </a:xfrm>
             <a:custGeom>
@@ -14013,7 +14013,7 @@
           </p:nvSpPr>
           <p:spPr>
             <a:xfrm>
-              <a:off x="4352366" y="4068890"/>
+              <a:off x="4351059" y="4071179"/>
               <a:ext cx="13127" cy="10162"/>
             </a:xfrm>
             <a:custGeom>
@@ -14083,7 +14083,7 @@
           </p:nvSpPr>
           <p:spPr>
             <a:xfrm>
-              <a:off x="4373116" y="4068890"/>
+              <a:off x="4371809" y="4071179"/>
               <a:ext cx="11856" cy="10162"/>
             </a:xfrm>
             <a:custGeom>
@@ -14126,7 +14126,7 @@
           </p:nvSpPr>
           <p:spPr>
             <a:xfrm>
-              <a:off x="4352366" y="4086252"/>
+              <a:off x="4351059" y="4088540"/>
               <a:ext cx="12280" cy="10162"/>
             </a:xfrm>
             <a:custGeom>
@@ -14196,7 +14196,7 @@
           </p:nvSpPr>
           <p:spPr>
             <a:xfrm>
-              <a:off x="4370998" y="4086252"/>
+              <a:off x="4369691" y="4088540"/>
               <a:ext cx="13974" cy="10162"/>
             </a:xfrm>
             <a:custGeom>
@@ -14266,7 +14266,7 @@
           </p:nvSpPr>
           <p:spPr>
             <a:xfrm>
-              <a:off x="3654864" y="5017078"/>
+              <a:off x="3653530" y="5020247"/>
               <a:ext cx="22866" cy="19479"/>
             </a:xfrm>
             <a:custGeom>
@@ -14363,7 +14363,7 @@
           </p:nvSpPr>
           <p:spPr>
             <a:xfrm>
-              <a:off x="3650629" y="5043332"/>
+              <a:off x="3649295" y="5046501"/>
               <a:ext cx="21596" cy="17785"/>
             </a:xfrm>
             <a:custGeom>
@@ -14460,7 +14460,7 @@
           </p:nvSpPr>
           <p:spPr>
             <a:xfrm>
-              <a:off x="3650206" y="5070010"/>
+              <a:off x="3648872" y="5073179"/>
               <a:ext cx="23290" cy="43616"/>
             </a:xfrm>
             <a:custGeom>
@@ -14557,7 +14557,7 @@
           </p:nvSpPr>
           <p:spPr>
             <a:xfrm>
-              <a:off x="3675190" y="5015808"/>
+              <a:off x="3673856" y="5018977"/>
               <a:ext cx="69446" cy="33029"/>
             </a:xfrm>
             <a:custGeom>
@@ -14693,7 +14693,7 @@
           </p:nvSpPr>
           <p:spPr>
             <a:xfrm>
-              <a:off x="3677730" y="5042062"/>
+              <a:off x="3676397" y="5045231"/>
               <a:ext cx="71564" cy="71564"/>
             </a:xfrm>
             <a:custGeom>
@@ -14973,7 +14973,7 @@
           </p:nvSpPr>
           <p:spPr>
             <a:xfrm>
-              <a:off x="3696786" y="5049261"/>
+              <a:off x="3695452" y="5052430"/>
               <a:ext cx="35570" cy="17361"/>
             </a:xfrm>
             <a:custGeom>
@@ -15070,7 +15070,7 @@
           </p:nvSpPr>
           <p:spPr>
             <a:xfrm>
-              <a:off x="3706102" y="5051378"/>
+              <a:off x="3704768" y="5054547"/>
               <a:ext cx="14820" cy="13550"/>
             </a:xfrm>
             <a:custGeom>
@@ -15167,7 +15167,7 @@
           </p:nvSpPr>
           <p:spPr>
             <a:xfrm>
-              <a:off x="3692975" y="5074245"/>
+              <a:off x="3691641" y="5077414"/>
               <a:ext cx="38534" cy="17361"/>
             </a:xfrm>
             <a:custGeom>
@@ -15237,7 +15237,7 @@
           </p:nvSpPr>
           <p:spPr>
             <a:xfrm>
-              <a:off x="3705255" y="5075939"/>
+              <a:off x="3703921" y="5079108"/>
               <a:ext cx="15244" cy="13974"/>
             </a:xfrm>
             <a:custGeom>
@@ -15334,7 +15334,7 @@
           </p:nvSpPr>
           <p:spPr>
             <a:xfrm>
-              <a:off x="3778937" y="5016231"/>
+              <a:off x="3777603" y="5019400"/>
               <a:ext cx="74528" cy="97818"/>
             </a:xfrm>
             <a:custGeom>
@@ -15650,7 +15650,7 @@
           </p:nvSpPr>
           <p:spPr>
             <a:xfrm>
-              <a:off x="3782748" y="5037828"/>
+              <a:off x="3781414" y="5040997"/>
               <a:ext cx="54202" cy="60977"/>
             </a:xfrm>
             <a:custGeom>
@@ -15819,7 +15819,7 @@
           </p:nvSpPr>
           <p:spPr>
             <a:xfrm>
-              <a:off x="3761151" y="5017925"/>
+              <a:off x="3759818" y="5021094"/>
               <a:ext cx="19902" cy="18632"/>
             </a:xfrm>
             <a:custGeom>
@@ -15916,7 +15916,7 @@
           </p:nvSpPr>
           <p:spPr>
             <a:xfrm>
-              <a:off x="3758611" y="5043332"/>
+              <a:off x="3757277" y="5046501"/>
               <a:ext cx="20325" cy="18632"/>
             </a:xfrm>
             <a:custGeom>
@@ -16013,7 +16013,7 @@
           </p:nvSpPr>
           <p:spPr>
             <a:xfrm>
-              <a:off x="3758611" y="5071704"/>
+              <a:off x="3757277" y="5074873"/>
               <a:ext cx="20749" cy="42345"/>
             </a:xfrm>
             <a:custGeom>
@@ -16110,7 +16110,7 @@
           </p:nvSpPr>
           <p:spPr>
             <a:xfrm>
-              <a:off x="3869133" y="5018772"/>
+              <a:off x="3867799" y="5021941"/>
               <a:ext cx="21172" cy="20325"/>
             </a:xfrm>
             <a:custGeom>
@@ -16207,7 +16207,7 @@
           </p:nvSpPr>
           <p:spPr>
             <a:xfrm>
-              <a:off x="3867439" y="5053919"/>
+              <a:off x="3866105" y="5057088"/>
               <a:ext cx="98242" cy="58860"/>
             </a:xfrm>
             <a:custGeom>
@@ -16418,7 +16418,7 @@
           </p:nvSpPr>
           <p:spPr>
             <a:xfrm>
-              <a:off x="3895811" y="5016655"/>
+              <a:off x="3894477" y="5019824"/>
               <a:ext cx="68176" cy="82574"/>
             </a:xfrm>
             <a:custGeom>
@@ -16587,7 +16587,7 @@
           </p:nvSpPr>
           <p:spPr>
             <a:xfrm>
-              <a:off x="3922065" y="5042062"/>
+              <a:off x="3920731" y="5045231"/>
               <a:ext cx="15244" cy="18208"/>
             </a:xfrm>
             <a:custGeom>
@@ -16630,7 +16630,7 @@
           </p:nvSpPr>
           <p:spPr>
             <a:xfrm>
-              <a:off x="3988124" y="5024277"/>
+              <a:off x="3986791" y="5027446"/>
               <a:ext cx="74104" cy="88079"/>
             </a:xfrm>
             <a:custGeom>
@@ -16685,7 +16685,7 @@
           </p:nvSpPr>
           <p:spPr>
             <a:xfrm>
-              <a:off x="3996170" y="5032323"/>
+              <a:off x="3994836" y="5035492"/>
               <a:ext cx="57590" cy="62671"/>
             </a:xfrm>
             <a:custGeom>
@@ -16728,7 +16728,7 @@
           </p:nvSpPr>
           <p:spPr>
             <a:xfrm>
-              <a:off x="4124477" y="5016655"/>
+              <a:off x="4123144" y="5019824"/>
               <a:ext cx="54625" cy="96971"/>
             </a:xfrm>
             <a:custGeom>
@@ -17044,7 +17044,7 @@
           </p:nvSpPr>
           <p:spPr>
             <a:xfrm>
-              <a:off x="4138452" y="5058577"/>
+              <a:off x="4137118" y="5061746"/>
               <a:ext cx="18632" cy="24560"/>
             </a:xfrm>
             <a:custGeom>
@@ -17141,7 +17141,7 @@
           </p:nvSpPr>
           <p:spPr>
             <a:xfrm>
-              <a:off x="4088060" y="5016231"/>
+              <a:off x="4086726" y="5019400"/>
               <a:ext cx="34723" cy="93584"/>
             </a:xfrm>
             <a:custGeom>
@@ -17262,7 +17262,7 @@
           </p:nvSpPr>
           <p:spPr>
             <a:xfrm>
-              <a:off x="4095682" y="5038251"/>
+              <a:off x="4094349" y="5041420"/>
               <a:ext cx="19479" cy="24560"/>
             </a:xfrm>
             <a:custGeom>
@@ -17305,7 +17305,7 @@
           </p:nvSpPr>
           <p:spPr>
             <a:xfrm>
-              <a:off x="4095682" y="5070857"/>
+              <a:off x="4094349" y="5074026"/>
               <a:ext cx="19479" cy="24560"/>
             </a:xfrm>
             <a:custGeom>
@@ -17348,7 +17348,7 @@
           </p:nvSpPr>
           <p:spPr>
             <a:xfrm>
-              <a:off x="4192654" y="5016231"/>
+              <a:off x="4191320" y="5019400"/>
               <a:ext cx="49121" cy="96548"/>
             </a:xfrm>
             <a:custGeom>
@@ -17694,7 +17694,7 @@
           </p:nvSpPr>
           <p:spPr>
             <a:xfrm>
-              <a:off x="4248127" y="5025124"/>
+              <a:off x="4246793" y="5028293"/>
               <a:ext cx="38534" cy="82997"/>
             </a:xfrm>
             <a:custGeom>
@@ -17749,7 +17749,7 @@
           </p:nvSpPr>
           <p:spPr>
             <a:xfrm>
-              <a:off x="4256173" y="5032746"/>
+              <a:off x="4254839" y="5035915"/>
               <a:ext cx="22443" cy="60130"/>
             </a:xfrm>
             <a:custGeom>
@@ -17792,7 +17792,7 @@
           </p:nvSpPr>
           <p:spPr>
             <a:xfrm>
-              <a:off x="4301059" y="5016231"/>
+              <a:off x="4299725" y="5019400"/>
               <a:ext cx="91043" cy="97395"/>
             </a:xfrm>
             <a:custGeom>
@@ -18111,7 +18111,7 @@
           </p:nvSpPr>
           <p:spPr>
             <a:xfrm>
-              <a:off x="4332395" y="5077633"/>
+              <a:off x="4331061" y="5080801"/>
               <a:ext cx="51238" cy="21596"/>
             </a:xfrm>
             <a:custGeom>
@@ -18154,7 +18154,7 @@
           </p:nvSpPr>
           <p:spPr>
             <a:xfrm>
-              <a:off x="4422591" y="5020466"/>
+              <a:off x="4421258" y="5023635"/>
               <a:ext cx="71987" cy="36840"/>
             </a:xfrm>
             <a:custGeom>
@@ -18197,7 +18197,7 @@
           </p:nvSpPr>
           <p:spPr>
             <a:xfrm>
-              <a:off x="4431060" y="5028511"/>
+              <a:off x="4429727" y="5031680"/>
               <a:ext cx="55472" cy="20749"/>
             </a:xfrm>
             <a:custGeom>
@@ -18240,7 +18240,7 @@
           </p:nvSpPr>
           <p:spPr>
             <a:xfrm>
-              <a:off x="4413699" y="5065776"/>
+              <a:off x="4412365" y="5068945"/>
               <a:ext cx="40228" cy="47850"/>
             </a:xfrm>
             <a:custGeom>
@@ -18295,7 +18295,7 @@
           </p:nvSpPr>
           <p:spPr>
             <a:xfrm>
-              <a:off x="4421744" y="5073398"/>
+              <a:off x="4420411" y="5076567"/>
               <a:ext cx="24137" cy="26254"/>
             </a:xfrm>
             <a:custGeom>
@@ -18338,7 +18338,7 @@
           </p:nvSpPr>
           <p:spPr>
             <a:xfrm>
-              <a:off x="4463243" y="5065776"/>
+              <a:off x="4461909" y="5068945"/>
               <a:ext cx="39804" cy="47850"/>
             </a:xfrm>
             <a:custGeom>
@@ -18393,7 +18393,7 @@
           </p:nvSpPr>
           <p:spPr>
             <a:xfrm>
-              <a:off x="4471289" y="5073398"/>
+              <a:off x="4469955" y="5076567"/>
               <a:ext cx="23713" cy="26254"/>
             </a:xfrm>
             <a:custGeom>
@@ -18436,7 +18436,7 @@
           </p:nvSpPr>
           <p:spPr>
             <a:xfrm>
-              <a:off x="4518293" y="5016231"/>
+              <a:off x="4516959" y="5019400"/>
               <a:ext cx="39804" cy="97395"/>
             </a:xfrm>
             <a:custGeom>
@@ -18578,7 +18578,7 @@
           </p:nvSpPr>
           <p:spPr>
             <a:xfrm>
-              <a:off x="4559368" y="5016655"/>
+              <a:off x="4558034" y="5019824"/>
               <a:ext cx="56319" cy="96971"/>
             </a:xfrm>
             <a:custGeom>
@@ -18789,7 +18789,7 @@
           </p:nvSpPr>
           <p:spPr>
             <a:xfrm>
-              <a:off x="4571225" y="5034440"/>
+              <a:off x="4569891" y="5037609"/>
               <a:ext cx="13127" cy="10162"/>
             </a:xfrm>
             <a:custGeom>
@@ -18859,7 +18859,7 @@
           </p:nvSpPr>
           <p:spPr>
             <a:xfrm>
-              <a:off x="4591974" y="5034440"/>
+              <a:off x="4590640" y="5037609"/>
               <a:ext cx="11856" cy="10162"/>
             </a:xfrm>
             <a:custGeom>
@@ -18902,7 +18902,7 @@
           </p:nvSpPr>
           <p:spPr>
             <a:xfrm>
-              <a:off x="4571225" y="5051802"/>
+              <a:off x="4569891" y="5054971"/>
               <a:ext cx="12280" cy="10162"/>
             </a:xfrm>
             <a:custGeom>
@@ -18972,7 +18972,7 @@
           </p:nvSpPr>
           <p:spPr>
             <a:xfrm>
-              <a:off x="4589857" y="5051802"/>
+              <a:off x="4588523" y="5054971"/>
               <a:ext cx="13974" cy="10162"/>
             </a:xfrm>
             <a:custGeom>
@@ -19042,8 +19042,8 @@
           </p:nvSpPr>
           <p:spPr>
             <a:xfrm>
-              <a:off x="2019661" y="1590617"/>
-              <a:ext cx="6917431" cy="4055309"/>
+              <a:off x="2017917" y="1590617"/>
+              <a:ext cx="6919174" cy="4059006"/>
             </a:xfrm>
             <a:prstGeom prst="rect">
               <a:avLst/>
@@ -19072,7 +19072,7 @@
           </p:nvSpPr>
           <p:spPr>
             <a:xfrm>
-              <a:off x="1924402" y="5028151"/>
+              <a:off x="1922659" y="5031320"/>
               <a:ext cx="59863" cy="76889"/>
             </a:xfrm>
             <a:custGeom>
@@ -19136,7 +19136,7 @@
           </p:nvSpPr>
           <p:spPr>
             <a:xfrm>
-              <a:off x="1936899" y="5042138"/>
+              <a:off x="1935155" y="5045307"/>
               <a:ext cx="22952" cy="35836"/>
             </a:xfrm>
             <a:custGeom>
@@ -19413,7 +19413,7 @@
           </p:nvSpPr>
           <p:spPr>
             <a:xfrm>
-              <a:off x="1925275" y="4061456"/>
+              <a:off x="1923532" y="4063744"/>
               <a:ext cx="55552" cy="79290"/>
             </a:xfrm>
             <a:custGeom>
@@ -20336,7 +20336,7 @@
                     <a:pt x="26919" y="13"/>
                   </a:lnTo>
                   <a:lnTo>
-                    <a:pt x="27939" y="0"/>
+                    <a:pt x="27940" y="0"/>
                   </a:lnTo>
                   <a:lnTo>
                     <a:pt x="29274" y="16"/>
@@ -20722,7 +20722,7 @@
           </p:nvSpPr>
           <p:spPr>
             <a:xfrm>
-              <a:off x="1926585" y="3095906"/>
+              <a:off x="1924841" y="3097314"/>
               <a:ext cx="53806" cy="78035"/>
             </a:xfrm>
             <a:custGeom>
@@ -21488,7 +21488,7 @@
           </p:nvSpPr>
           <p:spPr>
             <a:xfrm>
-              <a:off x="1929750" y="2131502"/>
+              <a:off x="1928007" y="2132030"/>
               <a:ext cx="52005" cy="76889"/>
             </a:xfrm>
             <a:custGeom>
@@ -21552,7 +21552,7 @@
           </p:nvSpPr>
           <p:spPr>
             <a:xfrm>
-              <a:off x="1984866" y="5066596"/>
+              <a:off x="1983123" y="5069765"/>
               <a:ext cx="34794" cy="0"/>
             </a:xfrm>
             <a:custGeom>
@@ -21592,7 +21592,7 @@
           </p:nvSpPr>
           <p:spPr>
             <a:xfrm>
-              <a:off x="1984866" y="4101046"/>
+              <a:off x="1983123" y="4103335"/>
               <a:ext cx="34794" cy="0"/>
             </a:xfrm>
             <a:custGeom>
@@ -21632,7 +21632,7 @@
           </p:nvSpPr>
           <p:spPr>
             <a:xfrm>
-              <a:off x="1984866" y="3135496"/>
+              <a:off x="1983123" y="3136905"/>
               <a:ext cx="34794" cy="0"/>
             </a:xfrm>
             <a:custGeom>
@@ -21672,7 +21672,7 @@
           </p:nvSpPr>
           <p:spPr>
             <a:xfrm>
-              <a:off x="1984866" y="2169947"/>
+              <a:off x="1983123" y="2170475"/>
               <a:ext cx="34794" cy="0"/>
             </a:xfrm>
             <a:custGeom>
@@ -21712,7 +21712,7 @@
           </p:nvSpPr>
           <p:spPr>
             <a:xfrm>
-              <a:off x="2019661" y="5645926"/>
+              <a:off x="2017917" y="5649623"/>
               <a:ext cx="0" cy="34794"/>
             </a:xfrm>
             <a:custGeom>
@@ -21752,7 +21752,7 @@
           </p:nvSpPr>
           <p:spPr>
             <a:xfrm>
-              <a:off x="3583728" y="5645926"/>
+              <a:off x="3582379" y="5649623"/>
               <a:ext cx="0" cy="34794"/>
             </a:xfrm>
             <a:custGeom>
@@ -21792,7 +21792,7 @@
           </p:nvSpPr>
           <p:spPr>
             <a:xfrm>
-              <a:off x="5147795" y="5645926"/>
+              <a:off x="5146840" y="5649623"/>
               <a:ext cx="0" cy="34794"/>
             </a:xfrm>
             <a:custGeom>
@@ -21832,7 +21832,7 @@
           </p:nvSpPr>
           <p:spPr>
             <a:xfrm>
-              <a:off x="6711862" y="5645926"/>
+              <a:off x="6711301" y="5649623"/>
               <a:ext cx="0" cy="34794"/>
             </a:xfrm>
             <a:custGeom>
@@ -21872,7 +21872,7 @@
           </p:nvSpPr>
           <p:spPr>
             <a:xfrm>
-              <a:off x="8275929" y="5645926"/>
+              <a:off x="8275763" y="5649623"/>
               <a:ext cx="0" cy="34794"/>
             </a:xfrm>
             <a:custGeom>
@@ -21912,7 +21912,7 @@
           </p:nvSpPr>
           <p:spPr>
             <a:xfrm>
-              <a:off x="1992948" y="5707410"/>
+              <a:off x="1991205" y="5711107"/>
               <a:ext cx="53424" cy="79126"/>
             </a:xfrm>
             <a:custGeom>
@@ -22355,7 +22355,7 @@
                     <a:pt x="48312" y="12306"/>
                   </a:lnTo>
                   <a:lnTo>
-                    <a:pt x="48894" y="13492"/>
+                    <a:pt x="48895" y="13492"/>
                   </a:lnTo>
                   <a:lnTo>
                     <a:pt x="49447" y="14740"/>
@@ -22423,7 +22423,7 @@
           </p:nvSpPr>
           <p:spPr>
             <a:xfrm>
-              <a:off x="2002880" y="5715377"/>
+              <a:off x="2001137" y="5719075"/>
               <a:ext cx="33506" cy="63137"/>
             </a:xfrm>
             <a:custGeom>
@@ -22934,7 +22934,7 @@
           </p:nvSpPr>
           <p:spPr>
             <a:xfrm>
-              <a:off x="3467930" y="5708556"/>
+              <a:off x="3466580" y="5712253"/>
               <a:ext cx="48185" cy="76889"/>
             </a:xfrm>
             <a:custGeom>
@@ -22998,7 +22998,7 @@
           </p:nvSpPr>
           <p:spPr>
             <a:xfrm>
-              <a:off x="3525938" y="5707410"/>
+              <a:off x="3524589" y="5711107"/>
               <a:ext cx="53424" cy="79126"/>
             </a:xfrm>
             <a:custGeom>
@@ -23509,7 +23509,7 @@
           </p:nvSpPr>
           <p:spPr>
             <a:xfrm>
-              <a:off x="3535870" y="5715377"/>
+              <a:off x="3534520" y="5719075"/>
               <a:ext cx="33506" cy="63137"/>
             </a:xfrm>
             <a:custGeom>
@@ -24020,7 +24020,7 @@
           </p:nvSpPr>
           <p:spPr>
             <a:xfrm>
-              <a:off x="3588093" y="5707410"/>
+              <a:off x="3586744" y="5711107"/>
               <a:ext cx="53424" cy="79126"/>
             </a:xfrm>
             <a:custGeom>
@@ -24531,7 +24531,7 @@
           </p:nvSpPr>
           <p:spPr>
             <a:xfrm>
-              <a:off x="3598025" y="5715377"/>
+              <a:off x="3596676" y="5719075"/>
               <a:ext cx="33506" cy="63137"/>
             </a:xfrm>
             <a:custGeom>
@@ -25042,7 +25042,7 @@
           </p:nvSpPr>
           <p:spPr>
             <a:xfrm>
-              <a:off x="3650249" y="5707410"/>
+              <a:off x="3648900" y="5711107"/>
               <a:ext cx="53424" cy="79126"/>
             </a:xfrm>
             <a:custGeom>
@@ -25553,7 +25553,7 @@
           </p:nvSpPr>
           <p:spPr>
             <a:xfrm>
-              <a:off x="3660181" y="5715377"/>
+              <a:off x="3658832" y="5719075"/>
               <a:ext cx="33506" cy="63137"/>
             </a:xfrm>
             <a:custGeom>
@@ -26064,7 +26064,7 @@
           </p:nvSpPr>
           <p:spPr>
             <a:xfrm>
-              <a:off x="5029105" y="5707410"/>
+              <a:off x="5028150" y="5711107"/>
               <a:ext cx="50914" cy="78035"/>
             </a:xfrm>
             <a:custGeom>
@@ -27010,7 +27010,7 @@
           </p:nvSpPr>
           <p:spPr>
             <a:xfrm>
-              <a:off x="5090005" y="5707410"/>
+              <a:off x="5089050" y="5711107"/>
               <a:ext cx="53424" cy="79126"/>
             </a:xfrm>
             <a:custGeom>
@@ -27521,7 +27521,7 @@
           </p:nvSpPr>
           <p:spPr>
             <a:xfrm>
-              <a:off x="5099937" y="5715377"/>
+              <a:off x="5098982" y="5719075"/>
               <a:ext cx="33506" cy="63137"/>
             </a:xfrm>
             <a:custGeom>
@@ -28032,7 +28032,7 @@
           </p:nvSpPr>
           <p:spPr>
             <a:xfrm>
-              <a:off x="5152161" y="5707410"/>
+              <a:off x="5151206" y="5711107"/>
               <a:ext cx="53424" cy="79126"/>
             </a:xfrm>
             <a:custGeom>
@@ -28543,7 +28543,7 @@
           </p:nvSpPr>
           <p:spPr>
             <a:xfrm>
-              <a:off x="5162092" y="5715377"/>
+              <a:off x="5161137" y="5719075"/>
               <a:ext cx="33506" cy="63137"/>
             </a:xfrm>
             <a:custGeom>
@@ -29054,7 +29054,7 @@
           </p:nvSpPr>
           <p:spPr>
             <a:xfrm>
-              <a:off x="5214316" y="5707410"/>
+              <a:off x="5213361" y="5711107"/>
               <a:ext cx="53424" cy="79126"/>
             </a:xfrm>
             <a:custGeom>
@@ -29565,7 +29565,7 @@
           </p:nvSpPr>
           <p:spPr>
             <a:xfrm>
-              <a:off x="5224248" y="5715377"/>
+              <a:off x="5223293" y="5719075"/>
               <a:ext cx="33506" cy="63137"/>
             </a:xfrm>
             <a:custGeom>
@@ -30076,7 +30076,7 @@
           </p:nvSpPr>
           <p:spPr>
             <a:xfrm>
-              <a:off x="6591808" y="5707410"/>
+              <a:off x="6591247" y="5711107"/>
               <a:ext cx="52987" cy="79126"/>
             </a:xfrm>
             <a:custGeom>
@@ -31385,7 +31385,7 @@
           </p:nvSpPr>
           <p:spPr>
             <a:xfrm>
-              <a:off x="6654072" y="5707410"/>
+              <a:off x="6653511" y="5711107"/>
               <a:ext cx="53424" cy="79126"/>
             </a:xfrm>
             <a:custGeom>
@@ -31896,7 +31896,7 @@
           </p:nvSpPr>
           <p:spPr>
             <a:xfrm>
-              <a:off x="6664004" y="5715377"/>
+              <a:off x="6663443" y="5719075"/>
               <a:ext cx="33506" cy="63137"/>
             </a:xfrm>
             <a:custGeom>
@@ -32407,7 +32407,7 @@
           </p:nvSpPr>
           <p:spPr>
             <a:xfrm>
-              <a:off x="6716228" y="5707410"/>
+              <a:off x="6715667" y="5711107"/>
               <a:ext cx="53424" cy="79126"/>
             </a:xfrm>
             <a:custGeom>
@@ -32918,7 +32918,7 @@
           </p:nvSpPr>
           <p:spPr>
             <a:xfrm>
-              <a:off x="6726160" y="5715377"/>
+              <a:off x="6725599" y="5719075"/>
               <a:ext cx="33506" cy="63137"/>
             </a:xfrm>
             <a:custGeom>
@@ -33429,7 +33429,7 @@
           </p:nvSpPr>
           <p:spPr>
             <a:xfrm>
-              <a:off x="6778383" y="5707410"/>
+              <a:off x="6777823" y="5711107"/>
               <a:ext cx="53424" cy="79126"/>
             </a:xfrm>
             <a:custGeom>
@@ -33940,7 +33940,7 @@
           </p:nvSpPr>
           <p:spPr>
             <a:xfrm>
-              <a:off x="6788315" y="5715377"/>
+              <a:off x="6787754" y="5719075"/>
               <a:ext cx="33506" cy="63137"/>
             </a:xfrm>
             <a:custGeom>
@@ -34451,7 +34451,7 @@
           </p:nvSpPr>
           <p:spPr>
             <a:xfrm>
-              <a:off x="8154183" y="5708556"/>
+              <a:off x="8154016" y="5712253"/>
               <a:ext cx="56316" cy="76889"/>
             </a:xfrm>
             <a:custGeom>
@@ -34515,7 +34515,7 @@
           </p:nvSpPr>
           <p:spPr>
             <a:xfrm>
-              <a:off x="8163242" y="5720283"/>
+              <a:off x="8163075" y="5723981"/>
               <a:ext cx="27176" cy="40005"/>
             </a:xfrm>
             <a:custGeom>
@@ -34729,7 +34729,7 @@
           </p:nvSpPr>
           <p:spPr>
             <a:xfrm>
-              <a:off x="8218140" y="5707410"/>
+              <a:off x="8217973" y="5711107"/>
               <a:ext cx="53424" cy="79126"/>
             </a:xfrm>
             <a:custGeom>
@@ -35240,7 +35240,7 @@
           </p:nvSpPr>
           <p:spPr>
             <a:xfrm>
-              <a:off x="8228071" y="5715377"/>
+              <a:off x="8227905" y="5719075"/>
               <a:ext cx="33506" cy="63137"/>
             </a:xfrm>
             <a:custGeom>
@@ -35751,7 +35751,7 @@
           </p:nvSpPr>
           <p:spPr>
             <a:xfrm>
-              <a:off x="8280295" y="5707410"/>
+              <a:off x="8280128" y="5711107"/>
               <a:ext cx="53424" cy="79126"/>
             </a:xfrm>
             <a:custGeom>
@@ -36262,7 +36262,7 @@
           </p:nvSpPr>
           <p:spPr>
             <a:xfrm>
-              <a:off x="8290227" y="5715377"/>
+              <a:off x="8290060" y="5719075"/>
               <a:ext cx="33506" cy="63137"/>
             </a:xfrm>
             <a:custGeom>
@@ -36773,7 +36773,7 @@
           </p:nvSpPr>
           <p:spPr>
             <a:xfrm>
-              <a:off x="8342451" y="5707410"/>
+              <a:off x="8342284" y="5711107"/>
               <a:ext cx="53424" cy="79126"/>
             </a:xfrm>
             <a:custGeom>
@@ -37284,7 +37284,7 @@
           </p:nvSpPr>
           <p:spPr>
             <a:xfrm>
-              <a:off x="8352382" y="5715377"/>
+              <a:off x="8352216" y="5719075"/>
               <a:ext cx="33506" cy="63137"/>
             </a:xfrm>
             <a:custGeom>
